--- a/Present Project 2.pptx
+++ b/Present Project 2.pptx
@@ -7,7 +7,7 @@
     <p:sldMasterId id="2147483673" r:id="rId3"/>
   </p:sldMasterIdLst>
   <p:notesMasterIdLst>
-    <p:notesMasterId r:id="rId24"/>
+    <p:notesMasterId r:id="rId23"/>
   </p:notesMasterIdLst>
   <p:sldIdLst>
     <p:sldId id="354" r:id="rId4"/>
@@ -16,20 +16,19 @@
     <p:sldId id="356" r:id="rId7"/>
     <p:sldId id="259" r:id="rId8"/>
     <p:sldId id="369" r:id="rId9"/>
-    <p:sldId id="374" r:id="rId10"/>
-    <p:sldId id="370" r:id="rId11"/>
-    <p:sldId id="256" r:id="rId12"/>
-    <p:sldId id="361" r:id="rId13"/>
-    <p:sldId id="362" r:id="rId14"/>
-    <p:sldId id="363" r:id="rId15"/>
-    <p:sldId id="364" r:id="rId16"/>
-    <p:sldId id="365" r:id="rId17"/>
-    <p:sldId id="366" r:id="rId18"/>
-    <p:sldId id="300" r:id="rId19"/>
-    <p:sldId id="367" r:id="rId20"/>
-    <p:sldId id="368" r:id="rId21"/>
-    <p:sldId id="371" r:id="rId22"/>
-    <p:sldId id="373" r:id="rId23"/>
+    <p:sldId id="370" r:id="rId10"/>
+    <p:sldId id="256" r:id="rId11"/>
+    <p:sldId id="361" r:id="rId12"/>
+    <p:sldId id="362" r:id="rId13"/>
+    <p:sldId id="363" r:id="rId14"/>
+    <p:sldId id="364" r:id="rId15"/>
+    <p:sldId id="365" r:id="rId16"/>
+    <p:sldId id="366" r:id="rId17"/>
+    <p:sldId id="300" r:id="rId18"/>
+    <p:sldId id="367" r:id="rId19"/>
+    <p:sldId id="368" r:id="rId20"/>
+    <p:sldId id="371" r:id="rId21"/>
+    <p:sldId id="373" r:id="rId22"/>
   </p:sldIdLst>
   <p:sldSz cx="12192000" cy="6858000"/>
   <p:notesSz cx="6858000" cy="9144000"/>
@@ -3509,7 +3508,7 @@
           <a:p>
             <a:fld id="{4AAAF045-FEF6-43EA-9CDC-C84FC3F85E9C}" type="datetimeFigureOut">
               <a:rPr lang="en-US" smtClean="0"/>
-              <a:t>11/10/2023</a:t>
+              <a:t>11/21/2023</a:t>
             </a:fld>
             <a:endParaRPr lang="en-US"/>
           </a:p>
@@ -4173,7 +4172,7 @@
           <a:p>
             <a:fld id="{652F1279-6CE4-4169-83D3-4483097B6907}" type="slidenum">
               <a:rPr lang="en-US" smtClean="0"/>
-              <a:t>8</a:t>
+              <a:t>7</a:t>
             </a:fld>
             <a:endParaRPr lang="en-US"/>
           </a:p>
@@ -4282,7 +4281,7 @@
           <a:p>
             <a:fld id="{652F1279-6CE4-4169-83D3-4483097B6907}" type="slidenum">
               <a:rPr lang="en-US" smtClean="0"/>
-              <a:t>9</a:t>
+              <a:t>8</a:t>
             </a:fld>
             <a:endParaRPr lang="en-US"/>
           </a:p>
@@ -4390,7 +4389,7 @@
           <a:p>
             <a:fld id="{652F1279-6CE4-4169-83D3-4483097B6907}" type="slidenum">
               <a:rPr lang="en-US" smtClean="0"/>
-              <a:t>10</a:t>
+              <a:t>9</a:t>
             </a:fld>
             <a:endParaRPr lang="en-US"/>
           </a:p>
@@ -4515,7 +4514,7 @@
           <a:p>
             <a:fld id="{652F1279-6CE4-4169-83D3-4483097B6907}" type="slidenum">
               <a:rPr lang="en-US" smtClean="0"/>
-              <a:t>11</a:t>
+              <a:t>10</a:t>
             </a:fld>
             <a:endParaRPr lang="en-US"/>
           </a:p>
@@ -4608,7 +4607,7 @@
           <a:p>
             <a:fld id="{652F1279-6CE4-4169-83D3-4483097B6907}" type="slidenum">
               <a:rPr lang="en-US" smtClean="0"/>
-              <a:t>12</a:t>
+              <a:t>11</a:t>
             </a:fld>
             <a:endParaRPr lang="en-US"/>
           </a:p>
@@ -4701,7 +4700,7 @@
           <a:p>
             <a:fld id="{652F1279-6CE4-4169-83D3-4483097B6907}" type="slidenum">
               <a:rPr lang="en-US" smtClean="0"/>
-              <a:t>13</a:t>
+              <a:t>12</a:t>
             </a:fld>
             <a:endParaRPr lang="en-US"/>
           </a:p>
@@ -4905,7 +4904,7 @@
           <a:p>
             <a:fld id="{652F1279-6CE4-4169-83D3-4483097B6907}" type="slidenum">
               <a:rPr lang="en-US" smtClean="0"/>
-              <a:t>14</a:t>
+              <a:t>13</a:t>
             </a:fld>
             <a:endParaRPr lang="en-US"/>
           </a:p>
@@ -7656,7 +7655,7 @@
           <a:p>
             <a:fld id="{D3A975D8-D750-4F0F-96BF-E6FDDE676ED9}" type="datetimeFigureOut">
               <a:rPr lang="en-US" smtClean="0"/>
-              <a:t>11/10/2023</a:t>
+              <a:t>11/21/2023</a:t>
             </a:fld>
             <a:endParaRPr lang="en-US"/>
           </a:p>
@@ -10730,1073 +10729,6 @@
       </p:grpSpPr>
       <p:sp>
         <p:nvSpPr>
-          <p:cNvPr id="2" name="ชื่อเรื่อง 1">
-            <a:extLst>
-              <a:ext uri="{FF2B5EF4-FFF2-40B4-BE49-F238E27FC236}">
-                <a16:creationId xmlns:a16="http://schemas.microsoft.com/office/drawing/2014/main" id="{1319B942-DE0A-CE78-4AC4-9D463E6316ED}"/>
-              </a:ext>
-            </a:extLst>
-          </p:cNvPr>
-          <p:cNvSpPr>
-            <a:spLocks noGrp="1"/>
-          </p:cNvSpPr>
-          <p:nvPr>
-            <p:ph type="ctrTitle"/>
-          </p:nvPr>
-        </p:nvSpPr>
-        <p:spPr/>
-        <p:txBody>
-          <a:bodyPr/>
-          <a:lstStyle/>
-          <a:p>
-            <a:endParaRPr lang="en-US"/>
-          </a:p>
-        </p:txBody>
-      </p:sp>
-      <p:sp>
-        <p:nvSpPr>
-          <p:cNvPr id="3" name="ชื่อเรื่องรอง 2">
-            <a:extLst>
-              <a:ext uri="{FF2B5EF4-FFF2-40B4-BE49-F238E27FC236}">
-                <a16:creationId xmlns:a16="http://schemas.microsoft.com/office/drawing/2014/main" id="{8E03E7D8-D027-53AD-A91B-9B6CDE116C98}"/>
-              </a:ext>
-            </a:extLst>
-          </p:cNvPr>
-          <p:cNvSpPr>
-            <a:spLocks noGrp="1"/>
-          </p:cNvSpPr>
-          <p:nvPr>
-            <p:ph type="subTitle" idx="1"/>
-          </p:nvPr>
-        </p:nvSpPr>
-        <p:spPr/>
-        <p:txBody>
-          <a:bodyPr/>
-          <a:lstStyle/>
-          <a:p>
-            <a:endParaRPr lang="en-US"/>
-          </a:p>
-        </p:txBody>
-      </p:sp>
-      <p:sp>
-        <p:nvSpPr>
-          <p:cNvPr id="4" name="ตัวแทนหมายเลขสไลด์ 3">
-            <a:extLst>
-              <a:ext uri="{FF2B5EF4-FFF2-40B4-BE49-F238E27FC236}">
-                <a16:creationId xmlns:a16="http://schemas.microsoft.com/office/drawing/2014/main" id="{CD099CD8-BF11-DED5-9F2D-911B5A367874}"/>
-              </a:ext>
-            </a:extLst>
-          </p:cNvPr>
-          <p:cNvSpPr>
-            <a:spLocks noGrp="1"/>
-          </p:cNvSpPr>
-          <p:nvPr>
-            <p:ph type="sldNum" sz="quarter" idx="12"/>
-          </p:nvPr>
-        </p:nvSpPr>
-        <p:spPr/>
-        <p:txBody>
-          <a:bodyPr/>
-          <a:lstStyle/>
-          <a:p>
-            <a:endParaRPr lang="en-US" dirty="0"/>
-          </a:p>
-        </p:txBody>
-      </p:sp>
-      <p:pic>
-        <p:nvPicPr>
-          <p:cNvPr id="5" name="รูปภาพ 4" descr="รูปภาพประกอบด้วย ข้อความ, ภาพหน้าจอ, แผนภาพ, ไลน์&#10;&#10;คำอธิบายที่สร้างโดยอัตโนมัติ">
-            <a:extLst>
-              <a:ext uri="{FF2B5EF4-FFF2-40B4-BE49-F238E27FC236}">
-                <a16:creationId xmlns:a16="http://schemas.microsoft.com/office/drawing/2014/main" id="{029DB528-E0E0-A9B8-FC30-3D59B25E2ED9}"/>
-              </a:ext>
-            </a:extLst>
-          </p:cNvPr>
-          <p:cNvPicPr>
-            <a:picLocks noChangeAspect="1"/>
-          </p:cNvPicPr>
-          <p:nvPr/>
-        </p:nvPicPr>
-        <p:blipFill>
-          <a:blip r:embed="rId3">
-            <a:extLst>
-              <a:ext uri="{28A0092B-C50C-407E-A947-70E740481C1C}">
-                <a14:useLocalDpi xmlns:a14="http://schemas.microsoft.com/office/drawing/2010/main" val="0"/>
-              </a:ext>
-            </a:extLst>
-          </a:blip>
-          <a:stretch>
-            <a:fillRect/>
-          </a:stretch>
-        </p:blipFill>
-        <p:spPr>
-          <a:xfrm>
-            <a:off x="601980" y="1243685"/>
-            <a:ext cx="11109754" cy="5394971"/>
-          </a:xfrm>
-          <a:prstGeom prst="rect">
-            <a:avLst/>
-          </a:prstGeom>
-        </p:spPr>
-      </p:pic>
-      <p:sp>
-        <p:nvSpPr>
-          <p:cNvPr id="6" name="สี่เหลี่ยมผืนผ้า 5">
-            <a:extLst>
-              <a:ext uri="{FF2B5EF4-FFF2-40B4-BE49-F238E27FC236}">
-                <a16:creationId xmlns:a16="http://schemas.microsoft.com/office/drawing/2014/main" id="{FEAC495B-FA59-E4FA-1E49-07EF35C262FB}"/>
-              </a:ext>
-            </a:extLst>
-          </p:cNvPr>
-          <p:cNvSpPr/>
-          <p:nvPr/>
-        </p:nvSpPr>
-        <p:spPr>
-          <a:xfrm>
-            <a:off x="2095499" y="1937659"/>
-            <a:ext cx="310244" cy="3979825"/>
-          </a:xfrm>
-          <a:prstGeom prst="rect">
-            <a:avLst/>
-          </a:prstGeom>
-          <a:noFill/>
-          <a:ln w="28575" cap="flat" cmpd="sng" algn="ctr">
-            <a:solidFill>
-              <a:srgbClr val="FF0000"/>
-            </a:solidFill>
-            <a:prstDash val="solid"/>
-            <a:round/>
-            <a:headEnd type="none" w="med" len="med"/>
-            <a:tailEnd type="none" w="med" len="med"/>
-          </a:ln>
-        </p:spPr>
-        <p:style>
-          <a:lnRef idx="0">
-            <a:scrgbClr r="0" g="0" b="0"/>
-          </a:lnRef>
-          <a:fillRef idx="0">
-            <a:scrgbClr r="0" g="0" b="0"/>
-          </a:fillRef>
-          <a:effectRef idx="0">
-            <a:scrgbClr r="0" g="0" b="0"/>
-          </a:effectRef>
-          <a:fontRef idx="minor">
-            <a:schemeClr val="accent2"/>
-          </a:fontRef>
-        </p:style>
-        <p:txBody>
-          <a:bodyPr rtlCol="0" anchor="ctr"/>
-          <a:lstStyle/>
-          <a:p>
-            <a:pPr algn="ctr"/>
-            <a:endParaRPr lang="en-US"/>
-          </a:p>
-        </p:txBody>
-      </p:sp>
-      <p:sp>
-        <p:nvSpPr>
-          <p:cNvPr id="7" name="สี่เหลี่ยมผืนผ้า 6">
-            <a:extLst>
-              <a:ext uri="{FF2B5EF4-FFF2-40B4-BE49-F238E27FC236}">
-                <a16:creationId xmlns:a16="http://schemas.microsoft.com/office/drawing/2014/main" id="{47751AB2-25BE-3457-2204-70861D3EB568}"/>
-              </a:ext>
-            </a:extLst>
-          </p:cNvPr>
-          <p:cNvSpPr/>
-          <p:nvPr/>
-        </p:nvSpPr>
-        <p:spPr>
-          <a:xfrm>
-            <a:off x="2509156" y="1937659"/>
-            <a:ext cx="310244" cy="3979825"/>
-          </a:xfrm>
-          <a:prstGeom prst="rect">
-            <a:avLst/>
-          </a:prstGeom>
-          <a:noFill/>
-          <a:ln w="28575" cap="flat" cmpd="sng" algn="ctr">
-            <a:solidFill>
-              <a:srgbClr val="FF0000"/>
-            </a:solidFill>
-            <a:prstDash val="solid"/>
-            <a:round/>
-            <a:headEnd type="none" w="med" len="med"/>
-            <a:tailEnd type="none" w="med" len="med"/>
-          </a:ln>
-        </p:spPr>
-        <p:style>
-          <a:lnRef idx="0">
-            <a:scrgbClr r="0" g="0" b="0"/>
-          </a:lnRef>
-          <a:fillRef idx="0">
-            <a:scrgbClr r="0" g="0" b="0"/>
-          </a:fillRef>
-          <a:effectRef idx="0">
-            <a:scrgbClr r="0" g="0" b="0"/>
-          </a:effectRef>
-          <a:fontRef idx="minor">
-            <a:schemeClr val="accent2"/>
-          </a:fontRef>
-        </p:style>
-        <p:txBody>
-          <a:bodyPr rtlCol="0" anchor="ctr"/>
-          <a:lstStyle/>
-          <a:p>
-            <a:pPr algn="ctr"/>
-            <a:endParaRPr lang="en-US"/>
-          </a:p>
-        </p:txBody>
-      </p:sp>
-      <p:sp>
-        <p:nvSpPr>
-          <p:cNvPr id="8" name="สี่เหลี่ยมผืนผ้า 7">
-            <a:extLst>
-              <a:ext uri="{FF2B5EF4-FFF2-40B4-BE49-F238E27FC236}">
-                <a16:creationId xmlns:a16="http://schemas.microsoft.com/office/drawing/2014/main" id="{F14B229B-923B-6D49-DA41-3583D2AE0353}"/>
-              </a:ext>
-            </a:extLst>
-          </p:cNvPr>
-          <p:cNvSpPr/>
-          <p:nvPr/>
-        </p:nvSpPr>
-        <p:spPr>
-          <a:xfrm>
-            <a:off x="2925534" y="1937658"/>
-            <a:ext cx="310244" cy="3979825"/>
-          </a:xfrm>
-          <a:prstGeom prst="rect">
-            <a:avLst/>
-          </a:prstGeom>
-          <a:noFill/>
-          <a:ln w="28575" cap="flat" cmpd="sng" algn="ctr">
-            <a:solidFill>
-              <a:srgbClr val="FF0000"/>
-            </a:solidFill>
-            <a:prstDash val="solid"/>
-            <a:round/>
-            <a:headEnd type="none" w="med" len="med"/>
-            <a:tailEnd type="none" w="med" len="med"/>
-          </a:ln>
-        </p:spPr>
-        <p:style>
-          <a:lnRef idx="0">
-            <a:scrgbClr r="0" g="0" b="0"/>
-          </a:lnRef>
-          <a:fillRef idx="0">
-            <a:scrgbClr r="0" g="0" b="0"/>
-          </a:fillRef>
-          <a:effectRef idx="0">
-            <a:scrgbClr r="0" g="0" b="0"/>
-          </a:effectRef>
-          <a:fontRef idx="minor">
-            <a:schemeClr val="accent2"/>
-          </a:fontRef>
-        </p:style>
-        <p:txBody>
-          <a:bodyPr rtlCol="0" anchor="ctr"/>
-          <a:lstStyle/>
-          <a:p>
-            <a:pPr algn="ctr"/>
-            <a:endParaRPr lang="en-US"/>
-          </a:p>
-        </p:txBody>
-      </p:sp>
-      <p:sp>
-        <p:nvSpPr>
-          <p:cNvPr id="9" name="สี่เหลี่ยมผืนผ้า 8">
-            <a:extLst>
-              <a:ext uri="{FF2B5EF4-FFF2-40B4-BE49-F238E27FC236}">
-                <a16:creationId xmlns:a16="http://schemas.microsoft.com/office/drawing/2014/main" id="{73B6EC7E-F6ED-1467-6885-9CE4B12BC5D3}"/>
-              </a:ext>
-            </a:extLst>
-          </p:cNvPr>
-          <p:cNvSpPr/>
-          <p:nvPr/>
-        </p:nvSpPr>
-        <p:spPr>
-          <a:xfrm>
-            <a:off x="3758290" y="1937658"/>
-            <a:ext cx="310244" cy="3979825"/>
-          </a:xfrm>
-          <a:prstGeom prst="rect">
-            <a:avLst/>
-          </a:prstGeom>
-          <a:noFill/>
-          <a:ln w="28575" cap="flat" cmpd="sng" algn="ctr">
-            <a:solidFill>
-              <a:srgbClr val="FF0000"/>
-            </a:solidFill>
-            <a:prstDash val="solid"/>
-            <a:round/>
-            <a:headEnd type="none" w="med" len="med"/>
-            <a:tailEnd type="none" w="med" len="med"/>
-          </a:ln>
-        </p:spPr>
-        <p:style>
-          <a:lnRef idx="0">
-            <a:scrgbClr r="0" g="0" b="0"/>
-          </a:lnRef>
-          <a:fillRef idx="0">
-            <a:scrgbClr r="0" g="0" b="0"/>
-          </a:fillRef>
-          <a:effectRef idx="0">
-            <a:scrgbClr r="0" g="0" b="0"/>
-          </a:effectRef>
-          <a:fontRef idx="minor">
-            <a:schemeClr val="accent2"/>
-          </a:fontRef>
-        </p:style>
-        <p:txBody>
-          <a:bodyPr rtlCol="0" anchor="ctr"/>
-          <a:lstStyle/>
-          <a:p>
-            <a:pPr algn="ctr"/>
-            <a:endParaRPr lang="en-US"/>
-          </a:p>
-        </p:txBody>
-      </p:sp>
-      <p:sp>
-        <p:nvSpPr>
-          <p:cNvPr id="10" name="สี่เหลี่ยมผืนผ้า 9">
-            <a:extLst>
-              <a:ext uri="{FF2B5EF4-FFF2-40B4-BE49-F238E27FC236}">
-                <a16:creationId xmlns:a16="http://schemas.microsoft.com/office/drawing/2014/main" id="{7BF0E16D-1D8B-61E7-4E8C-39BAD746915B}"/>
-              </a:ext>
-            </a:extLst>
-          </p:cNvPr>
-          <p:cNvSpPr/>
-          <p:nvPr/>
-        </p:nvSpPr>
-        <p:spPr>
-          <a:xfrm>
-            <a:off x="4591046" y="1937658"/>
-            <a:ext cx="310244" cy="3979825"/>
-          </a:xfrm>
-          <a:prstGeom prst="rect">
-            <a:avLst/>
-          </a:prstGeom>
-          <a:noFill/>
-          <a:ln w="28575" cap="flat" cmpd="sng" algn="ctr">
-            <a:solidFill>
-              <a:srgbClr val="FF0000"/>
-            </a:solidFill>
-            <a:prstDash val="solid"/>
-            <a:round/>
-            <a:headEnd type="none" w="med" len="med"/>
-            <a:tailEnd type="none" w="med" len="med"/>
-          </a:ln>
-        </p:spPr>
-        <p:style>
-          <a:lnRef idx="0">
-            <a:scrgbClr r="0" g="0" b="0"/>
-          </a:lnRef>
-          <a:fillRef idx="0">
-            <a:scrgbClr r="0" g="0" b="0"/>
-          </a:fillRef>
-          <a:effectRef idx="0">
-            <a:scrgbClr r="0" g="0" b="0"/>
-          </a:effectRef>
-          <a:fontRef idx="minor">
-            <a:schemeClr val="accent2"/>
-          </a:fontRef>
-        </p:style>
-        <p:txBody>
-          <a:bodyPr rtlCol="0" anchor="ctr"/>
-          <a:lstStyle/>
-          <a:p>
-            <a:pPr algn="ctr"/>
-            <a:endParaRPr lang="en-US"/>
-          </a:p>
-        </p:txBody>
-      </p:sp>
-      <p:sp>
-        <p:nvSpPr>
-          <p:cNvPr id="11" name="สี่เหลี่ยมผืนผ้า 10">
-            <a:extLst>
-              <a:ext uri="{FF2B5EF4-FFF2-40B4-BE49-F238E27FC236}">
-                <a16:creationId xmlns:a16="http://schemas.microsoft.com/office/drawing/2014/main" id="{3360D911-09C7-9E34-25D9-EB3321948C2E}"/>
-              </a:ext>
-            </a:extLst>
-          </p:cNvPr>
-          <p:cNvSpPr/>
-          <p:nvPr/>
-        </p:nvSpPr>
-        <p:spPr>
-          <a:xfrm>
-            <a:off x="5026476" y="1937658"/>
-            <a:ext cx="310244" cy="3979825"/>
-          </a:xfrm>
-          <a:prstGeom prst="rect">
-            <a:avLst/>
-          </a:prstGeom>
-          <a:noFill/>
-          <a:ln w="28575" cap="flat" cmpd="sng" algn="ctr">
-            <a:solidFill>
-              <a:srgbClr val="FF0000"/>
-            </a:solidFill>
-            <a:prstDash val="solid"/>
-            <a:round/>
-            <a:headEnd type="none" w="med" len="med"/>
-            <a:tailEnd type="none" w="med" len="med"/>
-          </a:ln>
-        </p:spPr>
-        <p:style>
-          <a:lnRef idx="0">
-            <a:scrgbClr r="0" g="0" b="0"/>
-          </a:lnRef>
-          <a:fillRef idx="0">
-            <a:scrgbClr r="0" g="0" b="0"/>
-          </a:fillRef>
-          <a:effectRef idx="0">
-            <a:scrgbClr r="0" g="0" b="0"/>
-          </a:effectRef>
-          <a:fontRef idx="minor">
-            <a:schemeClr val="accent2"/>
-          </a:fontRef>
-        </p:style>
-        <p:txBody>
-          <a:bodyPr rtlCol="0" anchor="ctr"/>
-          <a:lstStyle/>
-          <a:p>
-            <a:pPr algn="ctr"/>
-            <a:endParaRPr lang="en-US"/>
-          </a:p>
-        </p:txBody>
-      </p:sp>
-      <p:sp>
-        <p:nvSpPr>
-          <p:cNvPr id="12" name="สี่เหลี่ยมผืนผ้า 11">
-            <a:extLst>
-              <a:ext uri="{FF2B5EF4-FFF2-40B4-BE49-F238E27FC236}">
-                <a16:creationId xmlns:a16="http://schemas.microsoft.com/office/drawing/2014/main" id="{7445D060-E6EB-D8AB-7E2F-45E68F9B43D6}"/>
-              </a:ext>
-            </a:extLst>
-          </p:cNvPr>
-          <p:cNvSpPr/>
-          <p:nvPr/>
-        </p:nvSpPr>
-        <p:spPr>
-          <a:xfrm>
-            <a:off x="5423802" y="1937657"/>
-            <a:ext cx="310244" cy="3979825"/>
-          </a:xfrm>
-          <a:prstGeom prst="rect">
-            <a:avLst/>
-          </a:prstGeom>
-          <a:noFill/>
-          <a:ln w="28575" cap="flat" cmpd="sng" algn="ctr">
-            <a:solidFill>
-              <a:srgbClr val="FF0000"/>
-            </a:solidFill>
-            <a:prstDash val="solid"/>
-            <a:round/>
-            <a:headEnd type="none" w="med" len="med"/>
-            <a:tailEnd type="none" w="med" len="med"/>
-          </a:ln>
-        </p:spPr>
-        <p:style>
-          <a:lnRef idx="0">
-            <a:scrgbClr r="0" g="0" b="0"/>
-          </a:lnRef>
-          <a:fillRef idx="0">
-            <a:scrgbClr r="0" g="0" b="0"/>
-          </a:fillRef>
-          <a:effectRef idx="0">
-            <a:scrgbClr r="0" g="0" b="0"/>
-          </a:effectRef>
-          <a:fontRef idx="minor">
-            <a:schemeClr val="accent2"/>
-          </a:fontRef>
-        </p:style>
-        <p:txBody>
-          <a:bodyPr rtlCol="0" anchor="ctr"/>
-          <a:lstStyle/>
-          <a:p>
-            <a:pPr algn="ctr"/>
-            <a:endParaRPr lang="en-US"/>
-          </a:p>
-        </p:txBody>
-      </p:sp>
-      <p:sp>
-        <p:nvSpPr>
-          <p:cNvPr id="13" name="สี่เหลี่ยมผืนผ้า 12">
-            <a:extLst>
-              <a:ext uri="{FF2B5EF4-FFF2-40B4-BE49-F238E27FC236}">
-                <a16:creationId xmlns:a16="http://schemas.microsoft.com/office/drawing/2014/main" id="{FD4EA1EE-5E4C-1EA2-54B0-E447E53BD7E7}"/>
-              </a:ext>
-            </a:extLst>
-          </p:cNvPr>
-          <p:cNvSpPr/>
-          <p:nvPr/>
-        </p:nvSpPr>
-        <p:spPr>
-          <a:xfrm>
-            <a:off x="6675729" y="1937656"/>
-            <a:ext cx="310244" cy="3979825"/>
-          </a:xfrm>
-          <a:prstGeom prst="rect">
-            <a:avLst/>
-          </a:prstGeom>
-          <a:noFill/>
-          <a:ln w="28575" cap="flat" cmpd="sng" algn="ctr">
-            <a:solidFill>
-              <a:srgbClr val="FF0000"/>
-            </a:solidFill>
-            <a:prstDash val="solid"/>
-            <a:round/>
-            <a:headEnd type="none" w="med" len="med"/>
-            <a:tailEnd type="none" w="med" len="med"/>
-          </a:ln>
-        </p:spPr>
-        <p:style>
-          <a:lnRef idx="0">
-            <a:scrgbClr r="0" g="0" b="0"/>
-          </a:lnRef>
-          <a:fillRef idx="0">
-            <a:scrgbClr r="0" g="0" b="0"/>
-          </a:fillRef>
-          <a:effectRef idx="0">
-            <a:scrgbClr r="0" g="0" b="0"/>
-          </a:effectRef>
-          <a:fontRef idx="minor">
-            <a:schemeClr val="accent2"/>
-          </a:fontRef>
-        </p:style>
-        <p:txBody>
-          <a:bodyPr rtlCol="0" anchor="ctr"/>
-          <a:lstStyle/>
-          <a:p>
-            <a:pPr algn="ctr"/>
-            <a:endParaRPr lang="en-US"/>
-          </a:p>
-        </p:txBody>
-      </p:sp>
-      <p:sp>
-        <p:nvSpPr>
-          <p:cNvPr id="14" name="สี่เหลี่ยมผืนผ้า 13">
-            <a:extLst>
-              <a:ext uri="{FF2B5EF4-FFF2-40B4-BE49-F238E27FC236}">
-                <a16:creationId xmlns:a16="http://schemas.microsoft.com/office/drawing/2014/main" id="{D1384822-5352-8903-3310-93CA22A93EBF}"/>
-              </a:ext>
-            </a:extLst>
-          </p:cNvPr>
-          <p:cNvSpPr/>
-          <p:nvPr/>
-        </p:nvSpPr>
-        <p:spPr>
-          <a:xfrm>
-            <a:off x="7073055" y="1937656"/>
-            <a:ext cx="310244" cy="3979825"/>
-          </a:xfrm>
-          <a:prstGeom prst="rect">
-            <a:avLst/>
-          </a:prstGeom>
-          <a:noFill/>
-          <a:ln w="28575" cap="flat" cmpd="sng" algn="ctr">
-            <a:solidFill>
-              <a:srgbClr val="FF0000"/>
-            </a:solidFill>
-            <a:prstDash val="solid"/>
-            <a:round/>
-            <a:headEnd type="none" w="med" len="med"/>
-            <a:tailEnd type="none" w="med" len="med"/>
-          </a:ln>
-        </p:spPr>
-        <p:style>
-          <a:lnRef idx="0">
-            <a:scrgbClr r="0" g="0" b="0"/>
-          </a:lnRef>
-          <a:fillRef idx="0">
-            <a:scrgbClr r="0" g="0" b="0"/>
-          </a:fillRef>
-          <a:effectRef idx="0">
-            <a:scrgbClr r="0" g="0" b="0"/>
-          </a:effectRef>
-          <a:fontRef idx="minor">
-            <a:schemeClr val="accent2"/>
-          </a:fontRef>
-        </p:style>
-        <p:txBody>
-          <a:bodyPr rtlCol="0" anchor="ctr"/>
-          <a:lstStyle/>
-          <a:p>
-            <a:pPr algn="ctr"/>
-            <a:endParaRPr lang="en-US"/>
-          </a:p>
-        </p:txBody>
-      </p:sp>
-      <p:sp>
-        <p:nvSpPr>
-          <p:cNvPr id="15" name="สี่เหลี่ยมผืนผ้า 14">
-            <a:extLst>
-              <a:ext uri="{FF2B5EF4-FFF2-40B4-BE49-F238E27FC236}">
-                <a16:creationId xmlns:a16="http://schemas.microsoft.com/office/drawing/2014/main" id="{4D4CB16A-E78F-BA85-1234-16263851D4BA}"/>
-              </a:ext>
-            </a:extLst>
-          </p:cNvPr>
-          <p:cNvSpPr/>
-          <p:nvPr/>
-        </p:nvSpPr>
-        <p:spPr>
-          <a:xfrm>
-            <a:off x="7492087" y="1937656"/>
-            <a:ext cx="310244" cy="3979825"/>
-          </a:xfrm>
-          <a:prstGeom prst="rect">
-            <a:avLst/>
-          </a:prstGeom>
-          <a:noFill/>
-          <a:ln w="28575" cap="flat" cmpd="sng" algn="ctr">
-            <a:solidFill>
-              <a:srgbClr val="FF0000"/>
-            </a:solidFill>
-            <a:prstDash val="solid"/>
-            <a:round/>
-            <a:headEnd type="none" w="med" len="med"/>
-            <a:tailEnd type="none" w="med" len="med"/>
-          </a:ln>
-        </p:spPr>
-        <p:style>
-          <a:lnRef idx="0">
-            <a:scrgbClr r="0" g="0" b="0"/>
-          </a:lnRef>
-          <a:fillRef idx="0">
-            <a:scrgbClr r="0" g="0" b="0"/>
-          </a:fillRef>
-          <a:effectRef idx="0">
-            <a:scrgbClr r="0" g="0" b="0"/>
-          </a:effectRef>
-          <a:fontRef idx="minor">
-            <a:schemeClr val="accent2"/>
-          </a:fontRef>
-        </p:style>
-        <p:txBody>
-          <a:bodyPr rtlCol="0" anchor="ctr"/>
-          <a:lstStyle/>
-          <a:p>
-            <a:pPr algn="ctr"/>
-            <a:endParaRPr lang="en-US"/>
-          </a:p>
-        </p:txBody>
-      </p:sp>
-      <p:sp>
-        <p:nvSpPr>
-          <p:cNvPr id="16" name="สี่เหลี่ยมผืนผ้า 15">
-            <a:extLst>
-              <a:ext uri="{FF2B5EF4-FFF2-40B4-BE49-F238E27FC236}">
-                <a16:creationId xmlns:a16="http://schemas.microsoft.com/office/drawing/2014/main" id="{83C62EEF-337C-FC24-ED6A-5AB5233F8B48}"/>
-              </a:ext>
-            </a:extLst>
-          </p:cNvPr>
-          <p:cNvSpPr/>
-          <p:nvPr/>
-        </p:nvSpPr>
-        <p:spPr>
-          <a:xfrm>
-            <a:off x="9154405" y="1937655"/>
-            <a:ext cx="310244" cy="3979825"/>
-          </a:xfrm>
-          <a:prstGeom prst="rect">
-            <a:avLst/>
-          </a:prstGeom>
-          <a:noFill/>
-          <a:ln w="28575" cap="flat" cmpd="sng" algn="ctr">
-            <a:solidFill>
-              <a:srgbClr val="FF0000"/>
-            </a:solidFill>
-            <a:prstDash val="solid"/>
-            <a:round/>
-            <a:headEnd type="none" w="med" len="med"/>
-            <a:tailEnd type="none" w="med" len="med"/>
-          </a:ln>
-        </p:spPr>
-        <p:style>
-          <a:lnRef idx="0">
-            <a:scrgbClr r="0" g="0" b="0"/>
-          </a:lnRef>
-          <a:fillRef idx="0">
-            <a:scrgbClr r="0" g="0" b="0"/>
-          </a:fillRef>
-          <a:effectRef idx="0">
-            <a:scrgbClr r="0" g="0" b="0"/>
-          </a:effectRef>
-          <a:fontRef idx="minor">
-            <a:schemeClr val="accent2"/>
-          </a:fontRef>
-        </p:style>
-        <p:txBody>
-          <a:bodyPr rtlCol="0" anchor="ctr"/>
-          <a:lstStyle/>
-          <a:p>
-            <a:pPr algn="ctr"/>
-            <a:endParaRPr lang="en-US"/>
-          </a:p>
-        </p:txBody>
-      </p:sp>
-      <p:sp>
-        <p:nvSpPr>
-          <p:cNvPr id="17" name="สี่เหลี่ยมผืนผ้า 16">
-            <a:extLst>
-              <a:ext uri="{FF2B5EF4-FFF2-40B4-BE49-F238E27FC236}">
-                <a16:creationId xmlns:a16="http://schemas.microsoft.com/office/drawing/2014/main" id="{113AD8FD-9613-FA29-C5F2-EFFCB63BBD2F}"/>
-              </a:ext>
-            </a:extLst>
-          </p:cNvPr>
-          <p:cNvSpPr/>
-          <p:nvPr/>
-        </p:nvSpPr>
-        <p:spPr>
-          <a:xfrm>
-            <a:off x="9575885" y="1937655"/>
-            <a:ext cx="310244" cy="3979825"/>
-          </a:xfrm>
-          <a:prstGeom prst="rect">
-            <a:avLst/>
-          </a:prstGeom>
-          <a:noFill/>
-          <a:ln w="28575" cap="flat" cmpd="sng" algn="ctr">
-            <a:solidFill>
-              <a:srgbClr val="FF0000"/>
-            </a:solidFill>
-            <a:prstDash val="solid"/>
-            <a:round/>
-            <a:headEnd type="none" w="med" len="med"/>
-            <a:tailEnd type="none" w="med" len="med"/>
-          </a:ln>
-        </p:spPr>
-        <p:style>
-          <a:lnRef idx="0">
-            <a:scrgbClr r="0" g="0" b="0"/>
-          </a:lnRef>
-          <a:fillRef idx="0">
-            <a:scrgbClr r="0" g="0" b="0"/>
-          </a:fillRef>
-          <a:effectRef idx="0">
-            <a:scrgbClr r="0" g="0" b="0"/>
-          </a:effectRef>
-          <a:fontRef idx="minor">
-            <a:schemeClr val="accent2"/>
-          </a:fontRef>
-        </p:style>
-        <p:txBody>
-          <a:bodyPr rtlCol="0" anchor="ctr"/>
-          <a:lstStyle/>
-          <a:p>
-            <a:pPr algn="ctr"/>
-            <a:endParaRPr lang="en-US"/>
-          </a:p>
-        </p:txBody>
-      </p:sp>
-      <p:sp>
-        <p:nvSpPr>
-          <p:cNvPr id="18" name="สี่เหลี่ยมผืนผ้า 17">
-            <a:extLst>
-              <a:ext uri="{FF2B5EF4-FFF2-40B4-BE49-F238E27FC236}">
-                <a16:creationId xmlns:a16="http://schemas.microsoft.com/office/drawing/2014/main" id="{302798A3-B71B-C9F3-92F8-F8E6BF6E5619}"/>
-              </a:ext>
-            </a:extLst>
-          </p:cNvPr>
-          <p:cNvSpPr/>
-          <p:nvPr/>
-        </p:nvSpPr>
-        <p:spPr>
-          <a:xfrm>
-            <a:off x="10842302" y="1937655"/>
-            <a:ext cx="310244" cy="3979825"/>
-          </a:xfrm>
-          <a:prstGeom prst="rect">
-            <a:avLst/>
-          </a:prstGeom>
-          <a:noFill/>
-          <a:ln w="28575" cap="flat" cmpd="sng" algn="ctr">
-            <a:solidFill>
-              <a:srgbClr val="FF0000"/>
-            </a:solidFill>
-            <a:prstDash val="solid"/>
-            <a:round/>
-            <a:headEnd type="none" w="med" len="med"/>
-            <a:tailEnd type="none" w="med" len="med"/>
-          </a:ln>
-        </p:spPr>
-        <p:style>
-          <a:lnRef idx="0">
-            <a:scrgbClr r="0" g="0" b="0"/>
-          </a:lnRef>
-          <a:fillRef idx="0">
-            <a:scrgbClr r="0" g="0" b="0"/>
-          </a:fillRef>
-          <a:effectRef idx="0">
-            <a:scrgbClr r="0" g="0" b="0"/>
-          </a:effectRef>
-          <a:fontRef idx="minor">
-            <a:schemeClr val="accent2"/>
-          </a:fontRef>
-        </p:style>
-        <p:txBody>
-          <a:bodyPr rtlCol="0" anchor="ctr"/>
-          <a:lstStyle/>
-          <a:p>
-            <a:pPr algn="ctr"/>
-            <a:endParaRPr lang="en-US"/>
-          </a:p>
-        </p:txBody>
-      </p:sp>
-      <p:sp>
-        <p:nvSpPr>
-          <p:cNvPr id="19" name="กล่องข้อความ 18">
-            <a:extLst>
-              <a:ext uri="{FF2B5EF4-FFF2-40B4-BE49-F238E27FC236}">
-                <a16:creationId xmlns:a16="http://schemas.microsoft.com/office/drawing/2014/main" id="{F7E39A33-804D-7451-FE15-1CAF1D5EEDEE}"/>
-              </a:ext>
-            </a:extLst>
-          </p:cNvPr>
-          <p:cNvSpPr txBox="1"/>
-          <p:nvPr/>
-        </p:nvSpPr>
-        <p:spPr>
-          <a:xfrm>
-            <a:off x="411480" y="276497"/>
-            <a:ext cx="5684520" cy="369332"/>
-          </a:xfrm>
-          <a:prstGeom prst="rect">
-            <a:avLst/>
-          </a:prstGeom>
-          <a:noFill/>
-        </p:spPr>
-        <p:txBody>
-          <a:bodyPr wrap="square" rtlCol="0">
-            <a:spAutoFit/>
-          </a:bodyPr>
-          <a:lstStyle/>
-          <a:p>
-            <a:r>
-              <a:rPr lang="en-US" dirty="0"/>
-              <a:t>Feature Selection</a:t>
-            </a:r>
-          </a:p>
-        </p:txBody>
-      </p:sp>
-      <p:sp>
-        <p:nvSpPr>
-          <p:cNvPr id="20" name="สี่เหลี่ยมผืนผ้า 19">
-            <a:extLst>
-              <a:ext uri="{FF2B5EF4-FFF2-40B4-BE49-F238E27FC236}">
-                <a16:creationId xmlns:a16="http://schemas.microsoft.com/office/drawing/2014/main" id="{F75826AB-0C71-07F8-674C-D03BE179903D}"/>
-              </a:ext>
-            </a:extLst>
-          </p:cNvPr>
-          <p:cNvSpPr/>
-          <p:nvPr/>
-        </p:nvSpPr>
-        <p:spPr>
-          <a:xfrm>
-            <a:off x="8757079" y="1937654"/>
-            <a:ext cx="310244" cy="3979825"/>
-          </a:xfrm>
-          <a:prstGeom prst="rect">
-            <a:avLst/>
-          </a:prstGeom>
-          <a:noFill/>
-          <a:ln w="28575" cap="flat" cmpd="sng" algn="ctr">
-            <a:solidFill>
-              <a:srgbClr val="FF0000"/>
-            </a:solidFill>
-            <a:prstDash val="solid"/>
-            <a:round/>
-            <a:headEnd type="none" w="med" len="med"/>
-            <a:tailEnd type="none" w="med" len="med"/>
-          </a:ln>
-        </p:spPr>
-        <p:style>
-          <a:lnRef idx="0">
-            <a:scrgbClr r="0" g="0" b="0"/>
-          </a:lnRef>
-          <a:fillRef idx="0">
-            <a:scrgbClr r="0" g="0" b="0"/>
-          </a:fillRef>
-          <a:effectRef idx="0">
-            <a:scrgbClr r="0" g="0" b="0"/>
-          </a:effectRef>
-          <a:fontRef idx="minor">
-            <a:schemeClr val="accent2"/>
-          </a:fontRef>
-        </p:style>
-        <p:txBody>
-          <a:bodyPr rtlCol="0" anchor="ctr"/>
-          <a:lstStyle/>
-          <a:p>
-            <a:pPr algn="ctr"/>
-            <a:endParaRPr lang="en-US"/>
-          </a:p>
-        </p:txBody>
-      </p:sp>
-      <p:sp>
-        <p:nvSpPr>
-          <p:cNvPr id="22" name="Text Placeholder 1">
-            <a:extLst>
-              <a:ext uri="{FF2B5EF4-FFF2-40B4-BE49-F238E27FC236}">
-                <a16:creationId xmlns:a16="http://schemas.microsoft.com/office/drawing/2014/main" id="{99AFA574-8CB2-7A7D-F028-EA44900A5F60}"/>
-              </a:ext>
-            </a:extLst>
-          </p:cNvPr>
-          <p:cNvSpPr txBox="1">
-            <a:spLocks/>
-          </p:cNvSpPr>
-          <p:nvPr/>
-        </p:nvSpPr>
-        <p:spPr>
-          <a:xfrm>
-            <a:off x="309401" y="339509"/>
-            <a:ext cx="11573197" cy="724247"/>
-          </a:xfrm>
-        </p:spPr>
-        <p:txBody>
-          <a:bodyPr/>
-          <a:lstStyle>
-            <a:defPPr>
-              <a:defRPr lang="en-US"/>
-            </a:defPPr>
-            <a:lvl1pPr marL="0" algn="l" defTabSz="914400" rtl="0" eaLnBrk="1" latinLnBrk="0" hangingPunct="1">
-              <a:defRPr sz="1800" kern="1200">
-                <a:solidFill>
-                  <a:schemeClr val="tx1"/>
-                </a:solidFill>
-                <a:latin typeface="+mn-lt"/>
-                <a:ea typeface="+mn-ea"/>
-                <a:cs typeface="+mn-cs"/>
-              </a:defRPr>
-            </a:lvl1pPr>
-            <a:lvl2pPr marL="457200" algn="l" defTabSz="914400" rtl="0" eaLnBrk="1" latinLnBrk="0" hangingPunct="1">
-              <a:defRPr sz="1800" kern="1200">
-                <a:solidFill>
-                  <a:schemeClr val="tx1"/>
-                </a:solidFill>
-                <a:latin typeface="+mn-lt"/>
-                <a:ea typeface="+mn-ea"/>
-                <a:cs typeface="+mn-cs"/>
-              </a:defRPr>
-            </a:lvl2pPr>
-            <a:lvl3pPr marL="914400" algn="l" defTabSz="914400" rtl="0" eaLnBrk="1" latinLnBrk="0" hangingPunct="1">
-              <a:defRPr sz="1800" kern="1200">
-                <a:solidFill>
-                  <a:schemeClr val="tx1"/>
-                </a:solidFill>
-                <a:latin typeface="+mn-lt"/>
-                <a:ea typeface="+mn-ea"/>
-                <a:cs typeface="+mn-cs"/>
-              </a:defRPr>
-            </a:lvl3pPr>
-            <a:lvl4pPr marL="1371600" algn="l" defTabSz="914400" rtl="0" eaLnBrk="1" latinLnBrk="0" hangingPunct="1">
-              <a:defRPr sz="1800" kern="1200">
-                <a:solidFill>
-                  <a:schemeClr val="tx1"/>
-                </a:solidFill>
-                <a:latin typeface="+mn-lt"/>
-                <a:ea typeface="+mn-ea"/>
-                <a:cs typeface="+mn-cs"/>
-              </a:defRPr>
-            </a:lvl4pPr>
-            <a:lvl5pPr marL="1828800" algn="l" defTabSz="914400" rtl="0" eaLnBrk="1" latinLnBrk="0" hangingPunct="1">
-              <a:defRPr sz="1800" kern="1200">
-                <a:solidFill>
-                  <a:schemeClr val="tx1"/>
-                </a:solidFill>
-                <a:latin typeface="+mn-lt"/>
-                <a:ea typeface="+mn-ea"/>
-                <a:cs typeface="+mn-cs"/>
-              </a:defRPr>
-            </a:lvl5pPr>
-            <a:lvl6pPr marL="2286000" algn="l" defTabSz="914400" rtl="0" eaLnBrk="1" latinLnBrk="0" hangingPunct="1">
-              <a:defRPr sz="1800" kern="1200">
-                <a:solidFill>
-                  <a:schemeClr val="tx1"/>
-                </a:solidFill>
-                <a:latin typeface="+mn-lt"/>
-                <a:ea typeface="+mn-ea"/>
-                <a:cs typeface="+mn-cs"/>
-              </a:defRPr>
-            </a:lvl6pPr>
-            <a:lvl7pPr marL="2743200" algn="l" defTabSz="914400" rtl="0" eaLnBrk="1" latinLnBrk="0" hangingPunct="1">
-              <a:defRPr sz="1800" kern="1200">
-                <a:solidFill>
-                  <a:schemeClr val="tx1"/>
-                </a:solidFill>
-                <a:latin typeface="+mn-lt"/>
-                <a:ea typeface="+mn-ea"/>
-                <a:cs typeface="+mn-cs"/>
-              </a:defRPr>
-            </a:lvl7pPr>
-            <a:lvl8pPr marL="3200400" algn="l" defTabSz="914400" rtl="0" eaLnBrk="1" latinLnBrk="0" hangingPunct="1">
-              <a:defRPr sz="1800" kern="1200">
-                <a:solidFill>
-                  <a:schemeClr val="tx1"/>
-                </a:solidFill>
-                <a:latin typeface="+mn-lt"/>
-                <a:ea typeface="+mn-ea"/>
-                <a:cs typeface="+mn-cs"/>
-              </a:defRPr>
-            </a:lvl8pPr>
-            <a:lvl9pPr marL="3657600" algn="l" defTabSz="914400" rtl="0" eaLnBrk="1" latinLnBrk="0" hangingPunct="1">
-              <a:defRPr sz="1800" kern="1200">
-                <a:solidFill>
-                  <a:schemeClr val="tx1"/>
-                </a:solidFill>
-                <a:latin typeface="+mn-lt"/>
-                <a:ea typeface="+mn-ea"/>
-                <a:cs typeface="+mn-cs"/>
-              </a:defRPr>
-            </a:lvl9pPr>
-          </a:lstStyle>
-          <a:p>
-            <a:pPr algn="ctr"/>
-            <a:r>
-              <a:rPr lang="en-US" sz="5400" dirty="0">
-                <a:solidFill>
-                  <a:schemeClr val="tx1">
-                    <a:lumMod val="85000"/>
-                    <a:lumOff val="15000"/>
-                  </a:schemeClr>
-                </a:solidFill>
-                <a:latin typeface="+mj-lt"/>
-                <a:cs typeface="Arial" pitchFamily="34" charset="0"/>
-              </a:rPr>
-              <a:t>EDA</a:t>
-            </a:r>
-          </a:p>
-        </p:txBody>
-      </p:sp>
-    </p:spTree>
-    <p:extLst>
-      <p:ext uri="{BB962C8B-B14F-4D97-AF65-F5344CB8AC3E}">
-        <p14:creationId xmlns:p14="http://schemas.microsoft.com/office/powerpoint/2010/main" val="3935106483"/>
-      </p:ext>
-    </p:extLst>
-  </p:cSld>
-  <p:clrMapOvr>
-    <a:masterClrMapping/>
-  </p:clrMapOvr>
-</p:sld>
-</file>
-
-<file path=ppt/slides/slide11.xml><?xml version="1.0" encoding="utf-8"?>
-<p:sld xmlns:a="http://schemas.openxmlformats.org/drawingml/2006/main" xmlns:r="http://schemas.openxmlformats.org/officeDocument/2006/relationships" xmlns:p="http://schemas.openxmlformats.org/presentationml/2006/main">
-  <p:cSld>
-    <p:spTree>
-      <p:nvGrpSpPr>
-        <p:cNvPr id="1" name=""/>
-        <p:cNvGrpSpPr/>
-        <p:nvPr/>
-      </p:nvGrpSpPr>
-      <p:grpSpPr>
-        <a:xfrm>
-          <a:off x="0" y="0"/>
-          <a:ext cx="0" cy="0"/>
-          <a:chOff x="0" y="0"/>
-          <a:chExt cx="0" cy="0"/>
-        </a:xfrm>
-      </p:grpSpPr>
-      <p:sp>
-        <p:nvSpPr>
           <p:cNvPr id="4" name="ตัวแทนหมายเลขสไลด์ 3">
             <a:extLst>
               <a:ext uri="{FF2B5EF4-FFF2-40B4-BE49-F238E27FC236}">
@@ -12072,7 +11004,7 @@
 </p:sld>
 </file>
 
-<file path=ppt/slides/slide12.xml><?xml version="1.0" encoding="utf-8"?>
+<file path=ppt/slides/slide11.xml><?xml version="1.0" encoding="utf-8"?>
 <p:sld xmlns:a="http://schemas.openxmlformats.org/drawingml/2006/main" xmlns:r="http://schemas.openxmlformats.org/officeDocument/2006/relationships" xmlns:p="http://schemas.openxmlformats.org/presentationml/2006/main">
   <p:cSld>
     <p:spTree>
@@ -12322,7 +11254,7 @@
 </p:sld>
 </file>
 
-<file path=ppt/slides/slide13.xml><?xml version="1.0" encoding="utf-8"?>
+<file path=ppt/slides/slide12.xml><?xml version="1.0" encoding="utf-8"?>
 <p:sld xmlns:a="http://schemas.openxmlformats.org/drawingml/2006/main" xmlns:r="http://schemas.openxmlformats.org/officeDocument/2006/relationships" xmlns:p="http://schemas.openxmlformats.org/presentationml/2006/main">
   <p:cSld>
     <p:spTree>
@@ -12761,7 +11693,7 @@
 </p:sld>
 </file>
 
-<file path=ppt/slides/slide14.xml><?xml version="1.0" encoding="utf-8"?>
+<file path=ppt/slides/slide13.xml><?xml version="1.0" encoding="utf-8"?>
 <p:sld xmlns:a="http://schemas.openxmlformats.org/drawingml/2006/main" xmlns:r="http://schemas.openxmlformats.org/officeDocument/2006/relationships" xmlns:p="http://schemas.openxmlformats.org/presentationml/2006/main">
   <p:cSld>
     <p:spTree>
@@ -13283,7 +12215,7 @@
 </p:sld>
 </file>
 
-<file path=ppt/slides/slide15.xml><?xml version="1.0" encoding="utf-8"?>
+<file path=ppt/slides/slide14.xml><?xml version="1.0" encoding="utf-8"?>
 <p:sld xmlns:a="http://schemas.openxmlformats.org/drawingml/2006/main" xmlns:r="http://schemas.openxmlformats.org/officeDocument/2006/relationships" xmlns:p="http://schemas.openxmlformats.org/presentationml/2006/main">
   <p:cSld>
     <p:spTree>
@@ -13569,7 +12501,7 @@
 </p:sld>
 </file>
 
-<file path=ppt/slides/slide16.xml><?xml version="1.0" encoding="utf-8"?>
+<file path=ppt/slides/slide15.xml><?xml version="1.0" encoding="utf-8"?>
 <p:sld xmlns:a="http://schemas.openxmlformats.org/drawingml/2006/main" xmlns:r="http://schemas.openxmlformats.org/officeDocument/2006/relationships" xmlns:p="http://schemas.openxmlformats.org/presentationml/2006/main">
   <p:cSld>
     <p:spTree>
@@ -13634,7 +12566,7 @@
 </p:sld>
 </file>
 
-<file path=ppt/slides/slide17.xml><?xml version="1.0" encoding="utf-8"?>
+<file path=ppt/slides/slide16.xml><?xml version="1.0" encoding="utf-8"?>
 <p:sld xmlns:a="http://schemas.openxmlformats.org/drawingml/2006/main" xmlns:r="http://schemas.openxmlformats.org/officeDocument/2006/relationships" xmlns:p="http://schemas.openxmlformats.org/presentationml/2006/main">
   <p:cSld>
     <p:spTree>
@@ -13839,7 +12771,7 @@
 </p:sld>
 </file>
 
-<file path=ppt/slides/slide18.xml><?xml version="1.0" encoding="utf-8"?>
+<file path=ppt/slides/slide17.xml><?xml version="1.0" encoding="utf-8"?>
 <p:sld xmlns:a="http://schemas.openxmlformats.org/drawingml/2006/main" xmlns:r="http://schemas.openxmlformats.org/officeDocument/2006/relationships" xmlns:p="http://schemas.openxmlformats.org/presentationml/2006/main">
   <p:cSld>
     <p:spTree>
@@ -14100,7 +13032,7 @@
 </p:sld>
 </file>
 
-<file path=ppt/slides/slide19.xml><?xml version="1.0" encoding="utf-8"?>
+<file path=ppt/slides/slide18.xml><?xml version="1.0" encoding="utf-8"?>
 <p:sld xmlns:a="http://schemas.openxmlformats.org/drawingml/2006/main" xmlns:r="http://schemas.openxmlformats.org/officeDocument/2006/relationships" xmlns:p="http://schemas.openxmlformats.org/presentationml/2006/main">
   <p:cSld>
     <p:spTree>
@@ -14282,6 +13214,118 @@
     <p:extLst>
       <p:ext uri="{BB962C8B-B14F-4D97-AF65-F5344CB8AC3E}">
         <p14:creationId xmlns:p14="http://schemas.microsoft.com/office/powerpoint/2010/main" val="2687873853"/>
+      </p:ext>
+    </p:extLst>
+  </p:cSld>
+  <p:clrMapOvr>
+    <a:masterClrMapping/>
+  </p:clrMapOvr>
+</p:sld>
+</file>
+
+<file path=ppt/slides/slide19.xml><?xml version="1.0" encoding="utf-8"?>
+<p:sld xmlns:a="http://schemas.openxmlformats.org/drawingml/2006/main" xmlns:r="http://schemas.openxmlformats.org/officeDocument/2006/relationships" xmlns:p="http://schemas.openxmlformats.org/presentationml/2006/main">
+  <p:cSld>
+    <p:spTree>
+      <p:nvGrpSpPr>
+        <p:cNvPr id="1" name=""/>
+        <p:cNvGrpSpPr/>
+        <p:nvPr/>
+      </p:nvGrpSpPr>
+      <p:grpSpPr>
+        <a:xfrm>
+          <a:off x="0" y="0"/>
+          <a:ext cx="0" cy="0"/>
+          <a:chOff x="0" y="0"/>
+          <a:chExt cx="0" cy="0"/>
+        </a:xfrm>
+      </p:grpSpPr>
+      <p:pic>
+        <p:nvPicPr>
+          <p:cNvPr id="3" name="그림 2">
+            <a:extLst>
+              <a:ext uri="{FF2B5EF4-FFF2-40B4-BE49-F238E27FC236}">
+                <a16:creationId xmlns:a16="http://schemas.microsoft.com/office/drawing/2014/main" id="{60BE3E7C-7330-4C92-B4C4-374B6A79AA9F}"/>
+              </a:ext>
+            </a:extLst>
+          </p:cNvPr>
+          <p:cNvPicPr>
+            <a:picLocks noChangeAspect="1"/>
+          </p:cNvPicPr>
+          <p:nvPr/>
+        </p:nvPicPr>
+        <p:blipFill>
+          <a:blip r:embed="rId2">
+            <a:extLst>
+              <a:ext uri="{28A0092B-C50C-407E-A947-70E740481C1C}">
+                <a14:useLocalDpi xmlns:a14="http://schemas.microsoft.com/office/drawing/2010/main" val="0"/>
+              </a:ext>
+            </a:extLst>
+          </a:blip>
+          <a:stretch>
+            <a:fillRect/>
+          </a:stretch>
+        </p:blipFill>
+        <p:spPr>
+          <a:xfrm>
+            <a:off x="0" y="0"/>
+            <a:ext cx="12192000" cy="6858000"/>
+          </a:xfrm>
+          <a:prstGeom prst="rect">
+            <a:avLst/>
+          </a:prstGeom>
+        </p:spPr>
+      </p:pic>
+      <p:sp>
+        <p:nvSpPr>
+          <p:cNvPr id="4" name="TextBox 3">
+            <a:extLst>
+              <a:ext uri="{FF2B5EF4-FFF2-40B4-BE49-F238E27FC236}">
+                <a16:creationId xmlns:a16="http://schemas.microsoft.com/office/drawing/2014/main" id="{1DF8EF26-7AD5-4E7F-95B3-9A57CF80C483}"/>
+              </a:ext>
+            </a:extLst>
+          </p:cNvPr>
+          <p:cNvSpPr txBox="1"/>
+          <p:nvPr/>
+        </p:nvSpPr>
+        <p:spPr>
+          <a:xfrm>
+            <a:off x="6096033" y="2769507"/>
+            <a:ext cx="6095967" cy="1015663"/>
+          </a:xfrm>
+          <a:prstGeom prst="rect">
+            <a:avLst/>
+          </a:prstGeom>
+          <a:noFill/>
+        </p:spPr>
+        <p:txBody>
+          <a:bodyPr wrap="square" rtlCol="0" anchor="ctr">
+            <a:spAutoFit/>
+          </a:bodyPr>
+          <a:lstStyle/>
+          <a:p>
+            <a:r>
+              <a:rPr lang="en-US" altLang="ko-KR" sz="6000" dirty="0">
+                <a:solidFill>
+                  <a:schemeClr val="bg1"/>
+                </a:solidFill>
+                <a:cs typeface="Arial" pitchFamily="34" charset="0"/>
+              </a:rPr>
+              <a:t>THANK YOU</a:t>
+            </a:r>
+            <a:endParaRPr lang="ko-KR" altLang="en-US" sz="6000" dirty="0">
+              <a:solidFill>
+                <a:schemeClr val="bg1"/>
+              </a:solidFill>
+              <a:cs typeface="Arial" pitchFamily="34" charset="0"/>
+            </a:endParaRPr>
+          </a:p>
+        </p:txBody>
+      </p:sp>
+    </p:spTree>
+    <p:extLst>
+      <p:ext uri="{BB962C8B-B14F-4D97-AF65-F5344CB8AC3E}">
+        <p14:creationId xmlns:p14="http://schemas.microsoft.com/office/powerpoint/2010/main" val="2864165418"/>
       </p:ext>
     </p:extLst>
   </p:cSld>
@@ -15994,118 +15038,6 @@
     <p:extLst>
       <p:ext uri="{BB962C8B-B14F-4D97-AF65-F5344CB8AC3E}">
         <p14:creationId xmlns:p14="http://schemas.microsoft.com/office/powerpoint/2010/main" val="3148822504"/>
-      </p:ext>
-    </p:extLst>
-  </p:cSld>
-  <p:clrMapOvr>
-    <a:masterClrMapping/>
-  </p:clrMapOvr>
-</p:sld>
-</file>
-
-<file path=ppt/slides/slide20.xml><?xml version="1.0" encoding="utf-8"?>
-<p:sld xmlns:a="http://schemas.openxmlformats.org/drawingml/2006/main" xmlns:r="http://schemas.openxmlformats.org/officeDocument/2006/relationships" xmlns:p="http://schemas.openxmlformats.org/presentationml/2006/main">
-  <p:cSld>
-    <p:spTree>
-      <p:nvGrpSpPr>
-        <p:cNvPr id="1" name=""/>
-        <p:cNvGrpSpPr/>
-        <p:nvPr/>
-      </p:nvGrpSpPr>
-      <p:grpSpPr>
-        <a:xfrm>
-          <a:off x="0" y="0"/>
-          <a:ext cx="0" cy="0"/>
-          <a:chOff x="0" y="0"/>
-          <a:chExt cx="0" cy="0"/>
-        </a:xfrm>
-      </p:grpSpPr>
-      <p:pic>
-        <p:nvPicPr>
-          <p:cNvPr id="3" name="그림 2">
-            <a:extLst>
-              <a:ext uri="{FF2B5EF4-FFF2-40B4-BE49-F238E27FC236}">
-                <a16:creationId xmlns:a16="http://schemas.microsoft.com/office/drawing/2014/main" id="{60BE3E7C-7330-4C92-B4C4-374B6A79AA9F}"/>
-              </a:ext>
-            </a:extLst>
-          </p:cNvPr>
-          <p:cNvPicPr>
-            <a:picLocks noChangeAspect="1"/>
-          </p:cNvPicPr>
-          <p:nvPr/>
-        </p:nvPicPr>
-        <p:blipFill>
-          <a:blip r:embed="rId2">
-            <a:extLst>
-              <a:ext uri="{28A0092B-C50C-407E-A947-70E740481C1C}">
-                <a14:useLocalDpi xmlns:a14="http://schemas.microsoft.com/office/drawing/2010/main" val="0"/>
-              </a:ext>
-            </a:extLst>
-          </a:blip>
-          <a:stretch>
-            <a:fillRect/>
-          </a:stretch>
-        </p:blipFill>
-        <p:spPr>
-          <a:xfrm>
-            <a:off x="0" y="0"/>
-            <a:ext cx="12192000" cy="6858000"/>
-          </a:xfrm>
-          <a:prstGeom prst="rect">
-            <a:avLst/>
-          </a:prstGeom>
-        </p:spPr>
-      </p:pic>
-      <p:sp>
-        <p:nvSpPr>
-          <p:cNvPr id="4" name="TextBox 3">
-            <a:extLst>
-              <a:ext uri="{FF2B5EF4-FFF2-40B4-BE49-F238E27FC236}">
-                <a16:creationId xmlns:a16="http://schemas.microsoft.com/office/drawing/2014/main" id="{1DF8EF26-7AD5-4E7F-95B3-9A57CF80C483}"/>
-              </a:ext>
-            </a:extLst>
-          </p:cNvPr>
-          <p:cNvSpPr txBox="1"/>
-          <p:nvPr/>
-        </p:nvSpPr>
-        <p:spPr>
-          <a:xfrm>
-            <a:off x="6096033" y="2769507"/>
-            <a:ext cx="6095967" cy="1015663"/>
-          </a:xfrm>
-          <a:prstGeom prst="rect">
-            <a:avLst/>
-          </a:prstGeom>
-          <a:noFill/>
-        </p:spPr>
-        <p:txBody>
-          <a:bodyPr wrap="square" rtlCol="0" anchor="ctr">
-            <a:spAutoFit/>
-          </a:bodyPr>
-          <a:lstStyle/>
-          <a:p>
-            <a:r>
-              <a:rPr lang="en-US" altLang="ko-KR" sz="6000" dirty="0">
-                <a:solidFill>
-                  <a:schemeClr val="bg1"/>
-                </a:solidFill>
-                <a:cs typeface="Arial" pitchFamily="34" charset="0"/>
-              </a:rPr>
-              <a:t>THANK YOU</a:t>
-            </a:r>
-            <a:endParaRPr lang="ko-KR" altLang="en-US" sz="6000" dirty="0">
-              <a:solidFill>
-                <a:schemeClr val="bg1"/>
-              </a:solidFill>
-              <a:cs typeface="Arial" pitchFamily="34" charset="0"/>
-            </a:endParaRPr>
-          </a:p>
-        </p:txBody>
-      </p:sp>
-    </p:spTree>
-    <p:extLst>
-      <p:ext uri="{BB962C8B-B14F-4D97-AF65-F5344CB8AC3E}">
-        <p14:creationId xmlns:p14="http://schemas.microsoft.com/office/powerpoint/2010/main" val="2864165418"/>
       </p:ext>
     </p:extLst>
   </p:cSld>
@@ -27270,250 +26202,6 @@
       </p:grpSpPr>
       <p:sp>
         <p:nvSpPr>
-          <p:cNvPr id="2" name="ชื่อเรื่อง 1">
-            <a:extLst>
-              <a:ext uri="{FF2B5EF4-FFF2-40B4-BE49-F238E27FC236}">
-                <a16:creationId xmlns:a16="http://schemas.microsoft.com/office/drawing/2014/main" id="{6018A6D2-DC73-9104-9909-39776CBE7D5D}"/>
-              </a:ext>
-            </a:extLst>
-          </p:cNvPr>
-          <p:cNvSpPr>
-            <a:spLocks noGrp="1"/>
-          </p:cNvSpPr>
-          <p:nvPr>
-            <p:ph type="ctrTitle"/>
-          </p:nvPr>
-        </p:nvSpPr>
-        <p:spPr/>
-        <p:txBody>
-          <a:bodyPr/>
-          <a:lstStyle/>
-          <a:p>
-            <a:endParaRPr lang="en-US"/>
-          </a:p>
-        </p:txBody>
-      </p:sp>
-      <p:sp>
-        <p:nvSpPr>
-          <p:cNvPr id="3" name="ชื่อเรื่องรอง 2">
-            <a:extLst>
-              <a:ext uri="{FF2B5EF4-FFF2-40B4-BE49-F238E27FC236}">
-                <a16:creationId xmlns:a16="http://schemas.microsoft.com/office/drawing/2014/main" id="{FB1F59BC-F30A-42D4-EEC6-8C71E1547757}"/>
-              </a:ext>
-            </a:extLst>
-          </p:cNvPr>
-          <p:cNvSpPr>
-            <a:spLocks noGrp="1"/>
-          </p:cNvSpPr>
-          <p:nvPr>
-            <p:ph type="subTitle" idx="1"/>
-          </p:nvPr>
-        </p:nvSpPr>
-        <p:spPr/>
-        <p:txBody>
-          <a:bodyPr/>
-          <a:lstStyle/>
-          <a:p>
-            <a:endParaRPr lang="en-US" dirty="0"/>
-          </a:p>
-        </p:txBody>
-      </p:sp>
-      <p:sp>
-        <p:nvSpPr>
-          <p:cNvPr id="4" name="ตัวแทนหมายเลขสไลด์ 3">
-            <a:extLst>
-              <a:ext uri="{FF2B5EF4-FFF2-40B4-BE49-F238E27FC236}">
-                <a16:creationId xmlns:a16="http://schemas.microsoft.com/office/drawing/2014/main" id="{981123BE-398F-103D-39D0-FDD6FE7D47B0}"/>
-              </a:ext>
-            </a:extLst>
-          </p:cNvPr>
-          <p:cNvSpPr>
-            <a:spLocks noGrp="1"/>
-          </p:cNvSpPr>
-          <p:nvPr>
-            <p:ph type="sldNum" sz="quarter" idx="12"/>
-          </p:nvPr>
-        </p:nvSpPr>
-        <p:spPr/>
-        <p:txBody>
-          <a:bodyPr/>
-          <a:lstStyle/>
-          <a:p>
-            <a:fld id="{7E008DD6-3213-46EC-A2D6-950EBF5D291E}" type="slidenum">
-              <a:rPr lang="en-US" smtClean="0"/>
-              <a:t>7</a:t>
-            </a:fld>
-            <a:endParaRPr lang="en-US"/>
-          </a:p>
-        </p:txBody>
-      </p:sp>
-      <p:sp>
-        <p:nvSpPr>
-          <p:cNvPr id="5" name="Text Placeholder 1">
-            <a:extLst>
-              <a:ext uri="{FF2B5EF4-FFF2-40B4-BE49-F238E27FC236}">
-                <a16:creationId xmlns:a16="http://schemas.microsoft.com/office/drawing/2014/main" id="{AC04AAA9-DCF6-BB27-97AF-AAE3732BA6C9}"/>
-              </a:ext>
-            </a:extLst>
-          </p:cNvPr>
-          <p:cNvSpPr txBox="1">
-            <a:spLocks/>
-          </p:cNvSpPr>
-          <p:nvPr/>
-        </p:nvSpPr>
-        <p:spPr>
-          <a:xfrm>
-            <a:off x="309401" y="339509"/>
-            <a:ext cx="11573197" cy="724247"/>
-          </a:xfrm>
-        </p:spPr>
-        <p:txBody>
-          <a:bodyPr/>
-          <a:lstStyle>
-            <a:defPPr>
-              <a:defRPr lang="en-US"/>
-            </a:defPPr>
-            <a:lvl1pPr marL="0" algn="l" defTabSz="914400" rtl="0" eaLnBrk="1" latinLnBrk="0" hangingPunct="1">
-              <a:defRPr sz="1800" kern="1200">
-                <a:solidFill>
-                  <a:schemeClr val="tx1"/>
-                </a:solidFill>
-                <a:latin typeface="+mn-lt"/>
-                <a:ea typeface="+mn-ea"/>
-                <a:cs typeface="+mn-cs"/>
-              </a:defRPr>
-            </a:lvl1pPr>
-            <a:lvl2pPr marL="457200" algn="l" defTabSz="914400" rtl="0" eaLnBrk="1" latinLnBrk="0" hangingPunct="1">
-              <a:defRPr sz="1800" kern="1200">
-                <a:solidFill>
-                  <a:schemeClr val="tx1"/>
-                </a:solidFill>
-                <a:latin typeface="+mn-lt"/>
-                <a:ea typeface="+mn-ea"/>
-                <a:cs typeface="+mn-cs"/>
-              </a:defRPr>
-            </a:lvl2pPr>
-            <a:lvl3pPr marL="914400" algn="l" defTabSz="914400" rtl="0" eaLnBrk="1" latinLnBrk="0" hangingPunct="1">
-              <a:defRPr sz="1800" kern="1200">
-                <a:solidFill>
-                  <a:schemeClr val="tx1"/>
-                </a:solidFill>
-                <a:latin typeface="+mn-lt"/>
-                <a:ea typeface="+mn-ea"/>
-                <a:cs typeface="+mn-cs"/>
-              </a:defRPr>
-            </a:lvl3pPr>
-            <a:lvl4pPr marL="1371600" algn="l" defTabSz="914400" rtl="0" eaLnBrk="1" latinLnBrk="0" hangingPunct="1">
-              <a:defRPr sz="1800" kern="1200">
-                <a:solidFill>
-                  <a:schemeClr val="tx1"/>
-                </a:solidFill>
-                <a:latin typeface="+mn-lt"/>
-                <a:ea typeface="+mn-ea"/>
-                <a:cs typeface="+mn-cs"/>
-              </a:defRPr>
-            </a:lvl4pPr>
-            <a:lvl5pPr marL="1828800" algn="l" defTabSz="914400" rtl="0" eaLnBrk="1" latinLnBrk="0" hangingPunct="1">
-              <a:defRPr sz="1800" kern="1200">
-                <a:solidFill>
-                  <a:schemeClr val="tx1"/>
-                </a:solidFill>
-                <a:latin typeface="+mn-lt"/>
-                <a:ea typeface="+mn-ea"/>
-                <a:cs typeface="+mn-cs"/>
-              </a:defRPr>
-            </a:lvl5pPr>
-            <a:lvl6pPr marL="2286000" algn="l" defTabSz="914400" rtl="0" eaLnBrk="1" latinLnBrk="0" hangingPunct="1">
-              <a:defRPr sz="1800" kern="1200">
-                <a:solidFill>
-                  <a:schemeClr val="tx1"/>
-                </a:solidFill>
-                <a:latin typeface="+mn-lt"/>
-                <a:ea typeface="+mn-ea"/>
-                <a:cs typeface="+mn-cs"/>
-              </a:defRPr>
-            </a:lvl6pPr>
-            <a:lvl7pPr marL="2743200" algn="l" defTabSz="914400" rtl="0" eaLnBrk="1" latinLnBrk="0" hangingPunct="1">
-              <a:defRPr sz="1800" kern="1200">
-                <a:solidFill>
-                  <a:schemeClr val="tx1"/>
-                </a:solidFill>
-                <a:latin typeface="+mn-lt"/>
-                <a:ea typeface="+mn-ea"/>
-                <a:cs typeface="+mn-cs"/>
-              </a:defRPr>
-            </a:lvl7pPr>
-            <a:lvl8pPr marL="3200400" algn="l" defTabSz="914400" rtl="0" eaLnBrk="1" latinLnBrk="0" hangingPunct="1">
-              <a:defRPr sz="1800" kern="1200">
-                <a:solidFill>
-                  <a:schemeClr val="tx1"/>
-                </a:solidFill>
-                <a:latin typeface="+mn-lt"/>
-                <a:ea typeface="+mn-ea"/>
-                <a:cs typeface="+mn-cs"/>
-              </a:defRPr>
-            </a:lvl8pPr>
-            <a:lvl9pPr marL="3657600" algn="l" defTabSz="914400" rtl="0" eaLnBrk="1" latinLnBrk="0" hangingPunct="1">
-              <a:defRPr sz="1800" kern="1200">
-                <a:solidFill>
-                  <a:schemeClr val="tx1"/>
-                </a:solidFill>
-                <a:latin typeface="+mn-lt"/>
-                <a:ea typeface="+mn-ea"/>
-                <a:cs typeface="+mn-cs"/>
-              </a:defRPr>
-            </a:lvl9pPr>
-          </a:lstStyle>
-          <a:p>
-            <a:pPr algn="ctr"/>
-            <a:r>
-              <a:rPr lang="en-US" sz="5400" dirty="0">
-                <a:solidFill>
-                  <a:schemeClr val="tx1">
-                    <a:lumMod val="85000"/>
-                    <a:lumOff val="15000"/>
-                  </a:schemeClr>
-                </a:solidFill>
-                <a:latin typeface="+mj-lt"/>
-                <a:cs typeface="Arial" pitchFamily="34" charset="0"/>
-              </a:rPr>
-              <a:t>Data Cleansing</a:t>
-            </a:r>
-          </a:p>
-        </p:txBody>
-      </p:sp>
-    </p:spTree>
-    <p:extLst>
-      <p:ext uri="{BB962C8B-B14F-4D97-AF65-F5344CB8AC3E}">
-        <p14:creationId xmlns:p14="http://schemas.microsoft.com/office/powerpoint/2010/main" val="2803549334"/>
-      </p:ext>
-    </p:extLst>
-  </p:cSld>
-  <p:clrMapOvr>
-    <a:masterClrMapping/>
-  </p:clrMapOvr>
-</p:sld>
-</file>
-
-<file path=ppt/slides/slide8.xml><?xml version="1.0" encoding="utf-8"?>
-<p:sld xmlns:a="http://schemas.openxmlformats.org/drawingml/2006/main" xmlns:r="http://schemas.openxmlformats.org/officeDocument/2006/relationships" xmlns:p="http://schemas.openxmlformats.org/presentationml/2006/main">
-  <p:cSld>
-    <p:spTree>
-      <p:nvGrpSpPr>
-        <p:cNvPr id="1" name=""/>
-        <p:cNvGrpSpPr/>
-        <p:nvPr/>
-      </p:nvGrpSpPr>
-      <p:grpSpPr>
-        <a:xfrm>
-          <a:off x="0" y="0"/>
-          <a:ext cx="0" cy="0"/>
-          <a:chOff x="0" y="0"/>
-          <a:chExt cx="0" cy="0"/>
-        </a:xfrm>
-      </p:grpSpPr>
-      <p:sp>
-        <p:nvSpPr>
           <p:cNvPr id="3" name="ชื่อเรื่องรอง 2">
             <a:extLst>
               <a:ext uri="{FF2B5EF4-FFF2-40B4-BE49-F238E27FC236}">
@@ -27819,7 +26507,7 @@
 </p:sld>
 </file>
 
-<file path=ppt/slides/slide9.xml><?xml version="1.0" encoding="utf-8"?>
+<file path=ppt/slides/slide8.xml><?xml version="1.0" encoding="utf-8"?>
 <p:sld xmlns:a="http://schemas.openxmlformats.org/drawingml/2006/main" xmlns:r="http://schemas.openxmlformats.org/officeDocument/2006/relationships" xmlns:p="http://schemas.openxmlformats.org/presentationml/2006/main">
   <p:cSld>
     <p:spTree>
@@ -28046,6 +26734,1073 @@
     <p:extLst>
       <p:ext uri="{BB962C8B-B14F-4D97-AF65-F5344CB8AC3E}">
         <p14:creationId xmlns:p14="http://schemas.microsoft.com/office/powerpoint/2010/main" val="208446945"/>
+      </p:ext>
+    </p:extLst>
+  </p:cSld>
+  <p:clrMapOvr>
+    <a:masterClrMapping/>
+  </p:clrMapOvr>
+</p:sld>
+</file>
+
+<file path=ppt/slides/slide9.xml><?xml version="1.0" encoding="utf-8"?>
+<p:sld xmlns:a="http://schemas.openxmlformats.org/drawingml/2006/main" xmlns:r="http://schemas.openxmlformats.org/officeDocument/2006/relationships" xmlns:p="http://schemas.openxmlformats.org/presentationml/2006/main">
+  <p:cSld>
+    <p:spTree>
+      <p:nvGrpSpPr>
+        <p:cNvPr id="1" name=""/>
+        <p:cNvGrpSpPr/>
+        <p:nvPr/>
+      </p:nvGrpSpPr>
+      <p:grpSpPr>
+        <a:xfrm>
+          <a:off x="0" y="0"/>
+          <a:ext cx="0" cy="0"/>
+          <a:chOff x="0" y="0"/>
+          <a:chExt cx="0" cy="0"/>
+        </a:xfrm>
+      </p:grpSpPr>
+      <p:sp>
+        <p:nvSpPr>
+          <p:cNvPr id="2" name="ชื่อเรื่อง 1">
+            <a:extLst>
+              <a:ext uri="{FF2B5EF4-FFF2-40B4-BE49-F238E27FC236}">
+                <a16:creationId xmlns:a16="http://schemas.microsoft.com/office/drawing/2014/main" id="{1319B942-DE0A-CE78-4AC4-9D463E6316ED}"/>
+              </a:ext>
+            </a:extLst>
+          </p:cNvPr>
+          <p:cNvSpPr>
+            <a:spLocks noGrp="1"/>
+          </p:cNvSpPr>
+          <p:nvPr>
+            <p:ph type="ctrTitle"/>
+          </p:nvPr>
+        </p:nvSpPr>
+        <p:spPr/>
+        <p:txBody>
+          <a:bodyPr/>
+          <a:lstStyle/>
+          <a:p>
+            <a:endParaRPr lang="en-US"/>
+          </a:p>
+        </p:txBody>
+      </p:sp>
+      <p:sp>
+        <p:nvSpPr>
+          <p:cNvPr id="3" name="ชื่อเรื่องรอง 2">
+            <a:extLst>
+              <a:ext uri="{FF2B5EF4-FFF2-40B4-BE49-F238E27FC236}">
+                <a16:creationId xmlns:a16="http://schemas.microsoft.com/office/drawing/2014/main" id="{8E03E7D8-D027-53AD-A91B-9B6CDE116C98}"/>
+              </a:ext>
+            </a:extLst>
+          </p:cNvPr>
+          <p:cNvSpPr>
+            <a:spLocks noGrp="1"/>
+          </p:cNvSpPr>
+          <p:nvPr>
+            <p:ph type="subTitle" idx="1"/>
+          </p:nvPr>
+        </p:nvSpPr>
+        <p:spPr/>
+        <p:txBody>
+          <a:bodyPr/>
+          <a:lstStyle/>
+          <a:p>
+            <a:endParaRPr lang="en-US"/>
+          </a:p>
+        </p:txBody>
+      </p:sp>
+      <p:sp>
+        <p:nvSpPr>
+          <p:cNvPr id="4" name="ตัวแทนหมายเลขสไลด์ 3">
+            <a:extLst>
+              <a:ext uri="{FF2B5EF4-FFF2-40B4-BE49-F238E27FC236}">
+                <a16:creationId xmlns:a16="http://schemas.microsoft.com/office/drawing/2014/main" id="{CD099CD8-BF11-DED5-9F2D-911B5A367874}"/>
+              </a:ext>
+            </a:extLst>
+          </p:cNvPr>
+          <p:cNvSpPr>
+            <a:spLocks noGrp="1"/>
+          </p:cNvSpPr>
+          <p:nvPr>
+            <p:ph type="sldNum" sz="quarter" idx="12"/>
+          </p:nvPr>
+        </p:nvSpPr>
+        <p:spPr/>
+        <p:txBody>
+          <a:bodyPr/>
+          <a:lstStyle/>
+          <a:p>
+            <a:endParaRPr lang="en-US" dirty="0"/>
+          </a:p>
+        </p:txBody>
+      </p:sp>
+      <p:pic>
+        <p:nvPicPr>
+          <p:cNvPr id="5" name="รูปภาพ 4" descr="รูปภาพประกอบด้วย ข้อความ, ภาพหน้าจอ, แผนภาพ, ไลน์&#10;&#10;คำอธิบายที่สร้างโดยอัตโนมัติ">
+            <a:extLst>
+              <a:ext uri="{FF2B5EF4-FFF2-40B4-BE49-F238E27FC236}">
+                <a16:creationId xmlns:a16="http://schemas.microsoft.com/office/drawing/2014/main" id="{029DB528-E0E0-A9B8-FC30-3D59B25E2ED9}"/>
+              </a:ext>
+            </a:extLst>
+          </p:cNvPr>
+          <p:cNvPicPr>
+            <a:picLocks noChangeAspect="1"/>
+          </p:cNvPicPr>
+          <p:nvPr/>
+        </p:nvPicPr>
+        <p:blipFill>
+          <a:blip r:embed="rId3">
+            <a:extLst>
+              <a:ext uri="{28A0092B-C50C-407E-A947-70E740481C1C}">
+                <a14:useLocalDpi xmlns:a14="http://schemas.microsoft.com/office/drawing/2010/main" val="0"/>
+              </a:ext>
+            </a:extLst>
+          </a:blip>
+          <a:stretch>
+            <a:fillRect/>
+          </a:stretch>
+        </p:blipFill>
+        <p:spPr>
+          <a:xfrm>
+            <a:off x="601980" y="1243685"/>
+            <a:ext cx="11109754" cy="5394971"/>
+          </a:xfrm>
+          <a:prstGeom prst="rect">
+            <a:avLst/>
+          </a:prstGeom>
+        </p:spPr>
+      </p:pic>
+      <p:sp>
+        <p:nvSpPr>
+          <p:cNvPr id="6" name="สี่เหลี่ยมผืนผ้า 5">
+            <a:extLst>
+              <a:ext uri="{FF2B5EF4-FFF2-40B4-BE49-F238E27FC236}">
+                <a16:creationId xmlns:a16="http://schemas.microsoft.com/office/drawing/2014/main" id="{FEAC495B-FA59-E4FA-1E49-07EF35C262FB}"/>
+              </a:ext>
+            </a:extLst>
+          </p:cNvPr>
+          <p:cNvSpPr/>
+          <p:nvPr/>
+        </p:nvSpPr>
+        <p:spPr>
+          <a:xfrm>
+            <a:off x="2095499" y="1937659"/>
+            <a:ext cx="310244" cy="3979825"/>
+          </a:xfrm>
+          <a:prstGeom prst="rect">
+            <a:avLst/>
+          </a:prstGeom>
+          <a:noFill/>
+          <a:ln w="28575" cap="flat" cmpd="sng" algn="ctr">
+            <a:solidFill>
+              <a:srgbClr val="FF0000"/>
+            </a:solidFill>
+            <a:prstDash val="solid"/>
+            <a:round/>
+            <a:headEnd type="none" w="med" len="med"/>
+            <a:tailEnd type="none" w="med" len="med"/>
+          </a:ln>
+        </p:spPr>
+        <p:style>
+          <a:lnRef idx="0">
+            <a:scrgbClr r="0" g="0" b="0"/>
+          </a:lnRef>
+          <a:fillRef idx="0">
+            <a:scrgbClr r="0" g="0" b="0"/>
+          </a:fillRef>
+          <a:effectRef idx="0">
+            <a:scrgbClr r="0" g="0" b="0"/>
+          </a:effectRef>
+          <a:fontRef idx="minor">
+            <a:schemeClr val="accent2"/>
+          </a:fontRef>
+        </p:style>
+        <p:txBody>
+          <a:bodyPr rtlCol="0" anchor="ctr"/>
+          <a:lstStyle/>
+          <a:p>
+            <a:pPr algn="ctr"/>
+            <a:endParaRPr lang="en-US"/>
+          </a:p>
+        </p:txBody>
+      </p:sp>
+      <p:sp>
+        <p:nvSpPr>
+          <p:cNvPr id="7" name="สี่เหลี่ยมผืนผ้า 6">
+            <a:extLst>
+              <a:ext uri="{FF2B5EF4-FFF2-40B4-BE49-F238E27FC236}">
+                <a16:creationId xmlns:a16="http://schemas.microsoft.com/office/drawing/2014/main" id="{47751AB2-25BE-3457-2204-70861D3EB568}"/>
+              </a:ext>
+            </a:extLst>
+          </p:cNvPr>
+          <p:cNvSpPr/>
+          <p:nvPr/>
+        </p:nvSpPr>
+        <p:spPr>
+          <a:xfrm>
+            <a:off x="2509156" y="1937659"/>
+            <a:ext cx="310244" cy="3979825"/>
+          </a:xfrm>
+          <a:prstGeom prst="rect">
+            <a:avLst/>
+          </a:prstGeom>
+          <a:noFill/>
+          <a:ln w="28575" cap="flat" cmpd="sng" algn="ctr">
+            <a:solidFill>
+              <a:srgbClr val="FF0000"/>
+            </a:solidFill>
+            <a:prstDash val="solid"/>
+            <a:round/>
+            <a:headEnd type="none" w="med" len="med"/>
+            <a:tailEnd type="none" w="med" len="med"/>
+          </a:ln>
+        </p:spPr>
+        <p:style>
+          <a:lnRef idx="0">
+            <a:scrgbClr r="0" g="0" b="0"/>
+          </a:lnRef>
+          <a:fillRef idx="0">
+            <a:scrgbClr r="0" g="0" b="0"/>
+          </a:fillRef>
+          <a:effectRef idx="0">
+            <a:scrgbClr r="0" g="0" b="0"/>
+          </a:effectRef>
+          <a:fontRef idx="minor">
+            <a:schemeClr val="accent2"/>
+          </a:fontRef>
+        </p:style>
+        <p:txBody>
+          <a:bodyPr rtlCol="0" anchor="ctr"/>
+          <a:lstStyle/>
+          <a:p>
+            <a:pPr algn="ctr"/>
+            <a:endParaRPr lang="en-US"/>
+          </a:p>
+        </p:txBody>
+      </p:sp>
+      <p:sp>
+        <p:nvSpPr>
+          <p:cNvPr id="8" name="สี่เหลี่ยมผืนผ้า 7">
+            <a:extLst>
+              <a:ext uri="{FF2B5EF4-FFF2-40B4-BE49-F238E27FC236}">
+                <a16:creationId xmlns:a16="http://schemas.microsoft.com/office/drawing/2014/main" id="{F14B229B-923B-6D49-DA41-3583D2AE0353}"/>
+              </a:ext>
+            </a:extLst>
+          </p:cNvPr>
+          <p:cNvSpPr/>
+          <p:nvPr/>
+        </p:nvSpPr>
+        <p:spPr>
+          <a:xfrm>
+            <a:off x="2925534" y="1937658"/>
+            <a:ext cx="310244" cy="3979825"/>
+          </a:xfrm>
+          <a:prstGeom prst="rect">
+            <a:avLst/>
+          </a:prstGeom>
+          <a:noFill/>
+          <a:ln w="28575" cap="flat" cmpd="sng" algn="ctr">
+            <a:solidFill>
+              <a:srgbClr val="FF0000"/>
+            </a:solidFill>
+            <a:prstDash val="solid"/>
+            <a:round/>
+            <a:headEnd type="none" w="med" len="med"/>
+            <a:tailEnd type="none" w="med" len="med"/>
+          </a:ln>
+        </p:spPr>
+        <p:style>
+          <a:lnRef idx="0">
+            <a:scrgbClr r="0" g="0" b="0"/>
+          </a:lnRef>
+          <a:fillRef idx="0">
+            <a:scrgbClr r="0" g="0" b="0"/>
+          </a:fillRef>
+          <a:effectRef idx="0">
+            <a:scrgbClr r="0" g="0" b="0"/>
+          </a:effectRef>
+          <a:fontRef idx="minor">
+            <a:schemeClr val="accent2"/>
+          </a:fontRef>
+        </p:style>
+        <p:txBody>
+          <a:bodyPr rtlCol="0" anchor="ctr"/>
+          <a:lstStyle/>
+          <a:p>
+            <a:pPr algn="ctr"/>
+            <a:endParaRPr lang="en-US"/>
+          </a:p>
+        </p:txBody>
+      </p:sp>
+      <p:sp>
+        <p:nvSpPr>
+          <p:cNvPr id="9" name="สี่เหลี่ยมผืนผ้า 8">
+            <a:extLst>
+              <a:ext uri="{FF2B5EF4-FFF2-40B4-BE49-F238E27FC236}">
+                <a16:creationId xmlns:a16="http://schemas.microsoft.com/office/drawing/2014/main" id="{73B6EC7E-F6ED-1467-6885-9CE4B12BC5D3}"/>
+              </a:ext>
+            </a:extLst>
+          </p:cNvPr>
+          <p:cNvSpPr/>
+          <p:nvPr/>
+        </p:nvSpPr>
+        <p:spPr>
+          <a:xfrm>
+            <a:off x="3758290" y="1937658"/>
+            <a:ext cx="310244" cy="3979825"/>
+          </a:xfrm>
+          <a:prstGeom prst="rect">
+            <a:avLst/>
+          </a:prstGeom>
+          <a:noFill/>
+          <a:ln w="28575" cap="flat" cmpd="sng" algn="ctr">
+            <a:solidFill>
+              <a:srgbClr val="FF0000"/>
+            </a:solidFill>
+            <a:prstDash val="solid"/>
+            <a:round/>
+            <a:headEnd type="none" w="med" len="med"/>
+            <a:tailEnd type="none" w="med" len="med"/>
+          </a:ln>
+        </p:spPr>
+        <p:style>
+          <a:lnRef idx="0">
+            <a:scrgbClr r="0" g="0" b="0"/>
+          </a:lnRef>
+          <a:fillRef idx="0">
+            <a:scrgbClr r="0" g="0" b="0"/>
+          </a:fillRef>
+          <a:effectRef idx="0">
+            <a:scrgbClr r="0" g="0" b="0"/>
+          </a:effectRef>
+          <a:fontRef idx="minor">
+            <a:schemeClr val="accent2"/>
+          </a:fontRef>
+        </p:style>
+        <p:txBody>
+          <a:bodyPr rtlCol="0" anchor="ctr"/>
+          <a:lstStyle/>
+          <a:p>
+            <a:pPr algn="ctr"/>
+            <a:endParaRPr lang="en-US"/>
+          </a:p>
+        </p:txBody>
+      </p:sp>
+      <p:sp>
+        <p:nvSpPr>
+          <p:cNvPr id="10" name="สี่เหลี่ยมผืนผ้า 9">
+            <a:extLst>
+              <a:ext uri="{FF2B5EF4-FFF2-40B4-BE49-F238E27FC236}">
+                <a16:creationId xmlns:a16="http://schemas.microsoft.com/office/drawing/2014/main" id="{7BF0E16D-1D8B-61E7-4E8C-39BAD746915B}"/>
+              </a:ext>
+            </a:extLst>
+          </p:cNvPr>
+          <p:cNvSpPr/>
+          <p:nvPr/>
+        </p:nvSpPr>
+        <p:spPr>
+          <a:xfrm>
+            <a:off x="4591046" y="1937658"/>
+            <a:ext cx="310244" cy="3979825"/>
+          </a:xfrm>
+          <a:prstGeom prst="rect">
+            <a:avLst/>
+          </a:prstGeom>
+          <a:noFill/>
+          <a:ln w="28575" cap="flat" cmpd="sng" algn="ctr">
+            <a:solidFill>
+              <a:srgbClr val="FF0000"/>
+            </a:solidFill>
+            <a:prstDash val="solid"/>
+            <a:round/>
+            <a:headEnd type="none" w="med" len="med"/>
+            <a:tailEnd type="none" w="med" len="med"/>
+          </a:ln>
+        </p:spPr>
+        <p:style>
+          <a:lnRef idx="0">
+            <a:scrgbClr r="0" g="0" b="0"/>
+          </a:lnRef>
+          <a:fillRef idx="0">
+            <a:scrgbClr r="0" g="0" b="0"/>
+          </a:fillRef>
+          <a:effectRef idx="0">
+            <a:scrgbClr r="0" g="0" b="0"/>
+          </a:effectRef>
+          <a:fontRef idx="minor">
+            <a:schemeClr val="accent2"/>
+          </a:fontRef>
+        </p:style>
+        <p:txBody>
+          <a:bodyPr rtlCol="0" anchor="ctr"/>
+          <a:lstStyle/>
+          <a:p>
+            <a:pPr algn="ctr"/>
+            <a:endParaRPr lang="en-US"/>
+          </a:p>
+        </p:txBody>
+      </p:sp>
+      <p:sp>
+        <p:nvSpPr>
+          <p:cNvPr id="11" name="สี่เหลี่ยมผืนผ้า 10">
+            <a:extLst>
+              <a:ext uri="{FF2B5EF4-FFF2-40B4-BE49-F238E27FC236}">
+                <a16:creationId xmlns:a16="http://schemas.microsoft.com/office/drawing/2014/main" id="{3360D911-09C7-9E34-25D9-EB3321948C2E}"/>
+              </a:ext>
+            </a:extLst>
+          </p:cNvPr>
+          <p:cNvSpPr/>
+          <p:nvPr/>
+        </p:nvSpPr>
+        <p:spPr>
+          <a:xfrm>
+            <a:off x="5026476" y="1937658"/>
+            <a:ext cx="310244" cy="3979825"/>
+          </a:xfrm>
+          <a:prstGeom prst="rect">
+            <a:avLst/>
+          </a:prstGeom>
+          <a:noFill/>
+          <a:ln w="28575" cap="flat" cmpd="sng" algn="ctr">
+            <a:solidFill>
+              <a:srgbClr val="FF0000"/>
+            </a:solidFill>
+            <a:prstDash val="solid"/>
+            <a:round/>
+            <a:headEnd type="none" w="med" len="med"/>
+            <a:tailEnd type="none" w="med" len="med"/>
+          </a:ln>
+        </p:spPr>
+        <p:style>
+          <a:lnRef idx="0">
+            <a:scrgbClr r="0" g="0" b="0"/>
+          </a:lnRef>
+          <a:fillRef idx="0">
+            <a:scrgbClr r="0" g="0" b="0"/>
+          </a:fillRef>
+          <a:effectRef idx="0">
+            <a:scrgbClr r="0" g="0" b="0"/>
+          </a:effectRef>
+          <a:fontRef idx="minor">
+            <a:schemeClr val="accent2"/>
+          </a:fontRef>
+        </p:style>
+        <p:txBody>
+          <a:bodyPr rtlCol="0" anchor="ctr"/>
+          <a:lstStyle/>
+          <a:p>
+            <a:pPr algn="ctr"/>
+            <a:endParaRPr lang="en-US"/>
+          </a:p>
+        </p:txBody>
+      </p:sp>
+      <p:sp>
+        <p:nvSpPr>
+          <p:cNvPr id="12" name="สี่เหลี่ยมผืนผ้า 11">
+            <a:extLst>
+              <a:ext uri="{FF2B5EF4-FFF2-40B4-BE49-F238E27FC236}">
+                <a16:creationId xmlns:a16="http://schemas.microsoft.com/office/drawing/2014/main" id="{7445D060-E6EB-D8AB-7E2F-45E68F9B43D6}"/>
+              </a:ext>
+            </a:extLst>
+          </p:cNvPr>
+          <p:cNvSpPr/>
+          <p:nvPr/>
+        </p:nvSpPr>
+        <p:spPr>
+          <a:xfrm>
+            <a:off x="5423802" y="1937657"/>
+            <a:ext cx="310244" cy="3979825"/>
+          </a:xfrm>
+          <a:prstGeom prst="rect">
+            <a:avLst/>
+          </a:prstGeom>
+          <a:noFill/>
+          <a:ln w="28575" cap="flat" cmpd="sng" algn="ctr">
+            <a:solidFill>
+              <a:srgbClr val="FF0000"/>
+            </a:solidFill>
+            <a:prstDash val="solid"/>
+            <a:round/>
+            <a:headEnd type="none" w="med" len="med"/>
+            <a:tailEnd type="none" w="med" len="med"/>
+          </a:ln>
+        </p:spPr>
+        <p:style>
+          <a:lnRef idx="0">
+            <a:scrgbClr r="0" g="0" b="0"/>
+          </a:lnRef>
+          <a:fillRef idx="0">
+            <a:scrgbClr r="0" g="0" b="0"/>
+          </a:fillRef>
+          <a:effectRef idx="0">
+            <a:scrgbClr r="0" g="0" b="0"/>
+          </a:effectRef>
+          <a:fontRef idx="minor">
+            <a:schemeClr val="accent2"/>
+          </a:fontRef>
+        </p:style>
+        <p:txBody>
+          <a:bodyPr rtlCol="0" anchor="ctr"/>
+          <a:lstStyle/>
+          <a:p>
+            <a:pPr algn="ctr"/>
+            <a:endParaRPr lang="en-US"/>
+          </a:p>
+        </p:txBody>
+      </p:sp>
+      <p:sp>
+        <p:nvSpPr>
+          <p:cNvPr id="13" name="สี่เหลี่ยมผืนผ้า 12">
+            <a:extLst>
+              <a:ext uri="{FF2B5EF4-FFF2-40B4-BE49-F238E27FC236}">
+                <a16:creationId xmlns:a16="http://schemas.microsoft.com/office/drawing/2014/main" id="{FD4EA1EE-5E4C-1EA2-54B0-E447E53BD7E7}"/>
+              </a:ext>
+            </a:extLst>
+          </p:cNvPr>
+          <p:cNvSpPr/>
+          <p:nvPr/>
+        </p:nvSpPr>
+        <p:spPr>
+          <a:xfrm>
+            <a:off x="6675729" y="1937656"/>
+            <a:ext cx="310244" cy="3979825"/>
+          </a:xfrm>
+          <a:prstGeom prst="rect">
+            <a:avLst/>
+          </a:prstGeom>
+          <a:noFill/>
+          <a:ln w="28575" cap="flat" cmpd="sng" algn="ctr">
+            <a:solidFill>
+              <a:srgbClr val="FF0000"/>
+            </a:solidFill>
+            <a:prstDash val="solid"/>
+            <a:round/>
+            <a:headEnd type="none" w="med" len="med"/>
+            <a:tailEnd type="none" w="med" len="med"/>
+          </a:ln>
+        </p:spPr>
+        <p:style>
+          <a:lnRef idx="0">
+            <a:scrgbClr r="0" g="0" b="0"/>
+          </a:lnRef>
+          <a:fillRef idx="0">
+            <a:scrgbClr r="0" g="0" b="0"/>
+          </a:fillRef>
+          <a:effectRef idx="0">
+            <a:scrgbClr r="0" g="0" b="0"/>
+          </a:effectRef>
+          <a:fontRef idx="minor">
+            <a:schemeClr val="accent2"/>
+          </a:fontRef>
+        </p:style>
+        <p:txBody>
+          <a:bodyPr rtlCol="0" anchor="ctr"/>
+          <a:lstStyle/>
+          <a:p>
+            <a:pPr algn="ctr"/>
+            <a:endParaRPr lang="en-US"/>
+          </a:p>
+        </p:txBody>
+      </p:sp>
+      <p:sp>
+        <p:nvSpPr>
+          <p:cNvPr id="14" name="สี่เหลี่ยมผืนผ้า 13">
+            <a:extLst>
+              <a:ext uri="{FF2B5EF4-FFF2-40B4-BE49-F238E27FC236}">
+                <a16:creationId xmlns:a16="http://schemas.microsoft.com/office/drawing/2014/main" id="{D1384822-5352-8903-3310-93CA22A93EBF}"/>
+              </a:ext>
+            </a:extLst>
+          </p:cNvPr>
+          <p:cNvSpPr/>
+          <p:nvPr/>
+        </p:nvSpPr>
+        <p:spPr>
+          <a:xfrm>
+            <a:off x="7073055" y="1937656"/>
+            <a:ext cx="310244" cy="3979825"/>
+          </a:xfrm>
+          <a:prstGeom prst="rect">
+            <a:avLst/>
+          </a:prstGeom>
+          <a:noFill/>
+          <a:ln w="28575" cap="flat" cmpd="sng" algn="ctr">
+            <a:solidFill>
+              <a:srgbClr val="FF0000"/>
+            </a:solidFill>
+            <a:prstDash val="solid"/>
+            <a:round/>
+            <a:headEnd type="none" w="med" len="med"/>
+            <a:tailEnd type="none" w="med" len="med"/>
+          </a:ln>
+        </p:spPr>
+        <p:style>
+          <a:lnRef idx="0">
+            <a:scrgbClr r="0" g="0" b="0"/>
+          </a:lnRef>
+          <a:fillRef idx="0">
+            <a:scrgbClr r="0" g="0" b="0"/>
+          </a:fillRef>
+          <a:effectRef idx="0">
+            <a:scrgbClr r="0" g="0" b="0"/>
+          </a:effectRef>
+          <a:fontRef idx="minor">
+            <a:schemeClr val="accent2"/>
+          </a:fontRef>
+        </p:style>
+        <p:txBody>
+          <a:bodyPr rtlCol="0" anchor="ctr"/>
+          <a:lstStyle/>
+          <a:p>
+            <a:pPr algn="ctr"/>
+            <a:endParaRPr lang="en-US"/>
+          </a:p>
+        </p:txBody>
+      </p:sp>
+      <p:sp>
+        <p:nvSpPr>
+          <p:cNvPr id="15" name="สี่เหลี่ยมผืนผ้า 14">
+            <a:extLst>
+              <a:ext uri="{FF2B5EF4-FFF2-40B4-BE49-F238E27FC236}">
+                <a16:creationId xmlns:a16="http://schemas.microsoft.com/office/drawing/2014/main" id="{4D4CB16A-E78F-BA85-1234-16263851D4BA}"/>
+              </a:ext>
+            </a:extLst>
+          </p:cNvPr>
+          <p:cNvSpPr/>
+          <p:nvPr/>
+        </p:nvSpPr>
+        <p:spPr>
+          <a:xfrm>
+            <a:off x="7492087" y="1937656"/>
+            <a:ext cx="310244" cy="3979825"/>
+          </a:xfrm>
+          <a:prstGeom prst="rect">
+            <a:avLst/>
+          </a:prstGeom>
+          <a:noFill/>
+          <a:ln w="28575" cap="flat" cmpd="sng" algn="ctr">
+            <a:solidFill>
+              <a:srgbClr val="FF0000"/>
+            </a:solidFill>
+            <a:prstDash val="solid"/>
+            <a:round/>
+            <a:headEnd type="none" w="med" len="med"/>
+            <a:tailEnd type="none" w="med" len="med"/>
+          </a:ln>
+        </p:spPr>
+        <p:style>
+          <a:lnRef idx="0">
+            <a:scrgbClr r="0" g="0" b="0"/>
+          </a:lnRef>
+          <a:fillRef idx="0">
+            <a:scrgbClr r="0" g="0" b="0"/>
+          </a:fillRef>
+          <a:effectRef idx="0">
+            <a:scrgbClr r="0" g="0" b="0"/>
+          </a:effectRef>
+          <a:fontRef idx="minor">
+            <a:schemeClr val="accent2"/>
+          </a:fontRef>
+        </p:style>
+        <p:txBody>
+          <a:bodyPr rtlCol="0" anchor="ctr"/>
+          <a:lstStyle/>
+          <a:p>
+            <a:pPr algn="ctr"/>
+            <a:endParaRPr lang="en-US"/>
+          </a:p>
+        </p:txBody>
+      </p:sp>
+      <p:sp>
+        <p:nvSpPr>
+          <p:cNvPr id="16" name="สี่เหลี่ยมผืนผ้า 15">
+            <a:extLst>
+              <a:ext uri="{FF2B5EF4-FFF2-40B4-BE49-F238E27FC236}">
+                <a16:creationId xmlns:a16="http://schemas.microsoft.com/office/drawing/2014/main" id="{83C62EEF-337C-FC24-ED6A-5AB5233F8B48}"/>
+              </a:ext>
+            </a:extLst>
+          </p:cNvPr>
+          <p:cNvSpPr/>
+          <p:nvPr/>
+        </p:nvSpPr>
+        <p:spPr>
+          <a:xfrm>
+            <a:off x="9154405" y="1937655"/>
+            <a:ext cx="310244" cy="3979825"/>
+          </a:xfrm>
+          <a:prstGeom prst="rect">
+            <a:avLst/>
+          </a:prstGeom>
+          <a:noFill/>
+          <a:ln w="28575" cap="flat" cmpd="sng" algn="ctr">
+            <a:solidFill>
+              <a:srgbClr val="FF0000"/>
+            </a:solidFill>
+            <a:prstDash val="solid"/>
+            <a:round/>
+            <a:headEnd type="none" w="med" len="med"/>
+            <a:tailEnd type="none" w="med" len="med"/>
+          </a:ln>
+        </p:spPr>
+        <p:style>
+          <a:lnRef idx="0">
+            <a:scrgbClr r="0" g="0" b="0"/>
+          </a:lnRef>
+          <a:fillRef idx="0">
+            <a:scrgbClr r="0" g="0" b="0"/>
+          </a:fillRef>
+          <a:effectRef idx="0">
+            <a:scrgbClr r="0" g="0" b="0"/>
+          </a:effectRef>
+          <a:fontRef idx="minor">
+            <a:schemeClr val="accent2"/>
+          </a:fontRef>
+        </p:style>
+        <p:txBody>
+          <a:bodyPr rtlCol="0" anchor="ctr"/>
+          <a:lstStyle/>
+          <a:p>
+            <a:pPr algn="ctr"/>
+            <a:endParaRPr lang="en-US"/>
+          </a:p>
+        </p:txBody>
+      </p:sp>
+      <p:sp>
+        <p:nvSpPr>
+          <p:cNvPr id="17" name="สี่เหลี่ยมผืนผ้า 16">
+            <a:extLst>
+              <a:ext uri="{FF2B5EF4-FFF2-40B4-BE49-F238E27FC236}">
+                <a16:creationId xmlns:a16="http://schemas.microsoft.com/office/drawing/2014/main" id="{113AD8FD-9613-FA29-C5F2-EFFCB63BBD2F}"/>
+              </a:ext>
+            </a:extLst>
+          </p:cNvPr>
+          <p:cNvSpPr/>
+          <p:nvPr/>
+        </p:nvSpPr>
+        <p:spPr>
+          <a:xfrm>
+            <a:off x="9575885" y="1937655"/>
+            <a:ext cx="310244" cy="3979825"/>
+          </a:xfrm>
+          <a:prstGeom prst="rect">
+            <a:avLst/>
+          </a:prstGeom>
+          <a:noFill/>
+          <a:ln w="28575" cap="flat" cmpd="sng" algn="ctr">
+            <a:solidFill>
+              <a:srgbClr val="FF0000"/>
+            </a:solidFill>
+            <a:prstDash val="solid"/>
+            <a:round/>
+            <a:headEnd type="none" w="med" len="med"/>
+            <a:tailEnd type="none" w="med" len="med"/>
+          </a:ln>
+        </p:spPr>
+        <p:style>
+          <a:lnRef idx="0">
+            <a:scrgbClr r="0" g="0" b="0"/>
+          </a:lnRef>
+          <a:fillRef idx="0">
+            <a:scrgbClr r="0" g="0" b="0"/>
+          </a:fillRef>
+          <a:effectRef idx="0">
+            <a:scrgbClr r="0" g="0" b="0"/>
+          </a:effectRef>
+          <a:fontRef idx="minor">
+            <a:schemeClr val="accent2"/>
+          </a:fontRef>
+        </p:style>
+        <p:txBody>
+          <a:bodyPr rtlCol="0" anchor="ctr"/>
+          <a:lstStyle/>
+          <a:p>
+            <a:pPr algn="ctr"/>
+            <a:endParaRPr lang="en-US"/>
+          </a:p>
+        </p:txBody>
+      </p:sp>
+      <p:sp>
+        <p:nvSpPr>
+          <p:cNvPr id="18" name="สี่เหลี่ยมผืนผ้า 17">
+            <a:extLst>
+              <a:ext uri="{FF2B5EF4-FFF2-40B4-BE49-F238E27FC236}">
+                <a16:creationId xmlns:a16="http://schemas.microsoft.com/office/drawing/2014/main" id="{302798A3-B71B-C9F3-92F8-F8E6BF6E5619}"/>
+              </a:ext>
+            </a:extLst>
+          </p:cNvPr>
+          <p:cNvSpPr/>
+          <p:nvPr/>
+        </p:nvSpPr>
+        <p:spPr>
+          <a:xfrm>
+            <a:off x="10842302" y="1937655"/>
+            <a:ext cx="310244" cy="3979825"/>
+          </a:xfrm>
+          <a:prstGeom prst="rect">
+            <a:avLst/>
+          </a:prstGeom>
+          <a:noFill/>
+          <a:ln w="28575" cap="flat" cmpd="sng" algn="ctr">
+            <a:solidFill>
+              <a:srgbClr val="FF0000"/>
+            </a:solidFill>
+            <a:prstDash val="solid"/>
+            <a:round/>
+            <a:headEnd type="none" w="med" len="med"/>
+            <a:tailEnd type="none" w="med" len="med"/>
+          </a:ln>
+        </p:spPr>
+        <p:style>
+          <a:lnRef idx="0">
+            <a:scrgbClr r="0" g="0" b="0"/>
+          </a:lnRef>
+          <a:fillRef idx="0">
+            <a:scrgbClr r="0" g="0" b="0"/>
+          </a:fillRef>
+          <a:effectRef idx="0">
+            <a:scrgbClr r="0" g="0" b="0"/>
+          </a:effectRef>
+          <a:fontRef idx="minor">
+            <a:schemeClr val="accent2"/>
+          </a:fontRef>
+        </p:style>
+        <p:txBody>
+          <a:bodyPr rtlCol="0" anchor="ctr"/>
+          <a:lstStyle/>
+          <a:p>
+            <a:pPr algn="ctr"/>
+            <a:endParaRPr lang="en-US"/>
+          </a:p>
+        </p:txBody>
+      </p:sp>
+      <p:sp>
+        <p:nvSpPr>
+          <p:cNvPr id="19" name="กล่องข้อความ 18">
+            <a:extLst>
+              <a:ext uri="{FF2B5EF4-FFF2-40B4-BE49-F238E27FC236}">
+                <a16:creationId xmlns:a16="http://schemas.microsoft.com/office/drawing/2014/main" id="{F7E39A33-804D-7451-FE15-1CAF1D5EEDEE}"/>
+              </a:ext>
+            </a:extLst>
+          </p:cNvPr>
+          <p:cNvSpPr txBox="1"/>
+          <p:nvPr/>
+        </p:nvSpPr>
+        <p:spPr>
+          <a:xfrm>
+            <a:off x="411480" y="276497"/>
+            <a:ext cx="5684520" cy="369332"/>
+          </a:xfrm>
+          <a:prstGeom prst="rect">
+            <a:avLst/>
+          </a:prstGeom>
+          <a:noFill/>
+        </p:spPr>
+        <p:txBody>
+          <a:bodyPr wrap="square" rtlCol="0">
+            <a:spAutoFit/>
+          </a:bodyPr>
+          <a:lstStyle/>
+          <a:p>
+            <a:r>
+              <a:rPr lang="en-US" dirty="0"/>
+              <a:t>Feature Selection</a:t>
+            </a:r>
+          </a:p>
+        </p:txBody>
+      </p:sp>
+      <p:sp>
+        <p:nvSpPr>
+          <p:cNvPr id="20" name="สี่เหลี่ยมผืนผ้า 19">
+            <a:extLst>
+              <a:ext uri="{FF2B5EF4-FFF2-40B4-BE49-F238E27FC236}">
+                <a16:creationId xmlns:a16="http://schemas.microsoft.com/office/drawing/2014/main" id="{F75826AB-0C71-07F8-674C-D03BE179903D}"/>
+              </a:ext>
+            </a:extLst>
+          </p:cNvPr>
+          <p:cNvSpPr/>
+          <p:nvPr/>
+        </p:nvSpPr>
+        <p:spPr>
+          <a:xfrm>
+            <a:off x="8757079" y="1937654"/>
+            <a:ext cx="310244" cy="3979825"/>
+          </a:xfrm>
+          <a:prstGeom prst="rect">
+            <a:avLst/>
+          </a:prstGeom>
+          <a:noFill/>
+          <a:ln w="28575" cap="flat" cmpd="sng" algn="ctr">
+            <a:solidFill>
+              <a:srgbClr val="FF0000"/>
+            </a:solidFill>
+            <a:prstDash val="solid"/>
+            <a:round/>
+            <a:headEnd type="none" w="med" len="med"/>
+            <a:tailEnd type="none" w="med" len="med"/>
+          </a:ln>
+        </p:spPr>
+        <p:style>
+          <a:lnRef idx="0">
+            <a:scrgbClr r="0" g="0" b="0"/>
+          </a:lnRef>
+          <a:fillRef idx="0">
+            <a:scrgbClr r="0" g="0" b="0"/>
+          </a:fillRef>
+          <a:effectRef idx="0">
+            <a:scrgbClr r="0" g="0" b="0"/>
+          </a:effectRef>
+          <a:fontRef idx="minor">
+            <a:schemeClr val="accent2"/>
+          </a:fontRef>
+        </p:style>
+        <p:txBody>
+          <a:bodyPr rtlCol="0" anchor="ctr"/>
+          <a:lstStyle/>
+          <a:p>
+            <a:pPr algn="ctr"/>
+            <a:endParaRPr lang="en-US"/>
+          </a:p>
+        </p:txBody>
+      </p:sp>
+      <p:sp>
+        <p:nvSpPr>
+          <p:cNvPr id="22" name="Text Placeholder 1">
+            <a:extLst>
+              <a:ext uri="{FF2B5EF4-FFF2-40B4-BE49-F238E27FC236}">
+                <a16:creationId xmlns:a16="http://schemas.microsoft.com/office/drawing/2014/main" id="{99AFA574-8CB2-7A7D-F028-EA44900A5F60}"/>
+              </a:ext>
+            </a:extLst>
+          </p:cNvPr>
+          <p:cNvSpPr txBox="1">
+            <a:spLocks/>
+          </p:cNvSpPr>
+          <p:nvPr/>
+        </p:nvSpPr>
+        <p:spPr>
+          <a:xfrm>
+            <a:off x="309401" y="339509"/>
+            <a:ext cx="11573197" cy="724247"/>
+          </a:xfrm>
+        </p:spPr>
+        <p:txBody>
+          <a:bodyPr/>
+          <a:lstStyle>
+            <a:defPPr>
+              <a:defRPr lang="en-US"/>
+            </a:defPPr>
+            <a:lvl1pPr marL="0" algn="l" defTabSz="914400" rtl="0" eaLnBrk="1" latinLnBrk="0" hangingPunct="1">
+              <a:defRPr sz="1800" kern="1200">
+                <a:solidFill>
+                  <a:schemeClr val="tx1"/>
+                </a:solidFill>
+                <a:latin typeface="+mn-lt"/>
+                <a:ea typeface="+mn-ea"/>
+                <a:cs typeface="+mn-cs"/>
+              </a:defRPr>
+            </a:lvl1pPr>
+            <a:lvl2pPr marL="457200" algn="l" defTabSz="914400" rtl="0" eaLnBrk="1" latinLnBrk="0" hangingPunct="1">
+              <a:defRPr sz="1800" kern="1200">
+                <a:solidFill>
+                  <a:schemeClr val="tx1"/>
+                </a:solidFill>
+                <a:latin typeface="+mn-lt"/>
+                <a:ea typeface="+mn-ea"/>
+                <a:cs typeface="+mn-cs"/>
+              </a:defRPr>
+            </a:lvl2pPr>
+            <a:lvl3pPr marL="914400" algn="l" defTabSz="914400" rtl="0" eaLnBrk="1" latinLnBrk="0" hangingPunct="1">
+              <a:defRPr sz="1800" kern="1200">
+                <a:solidFill>
+                  <a:schemeClr val="tx1"/>
+                </a:solidFill>
+                <a:latin typeface="+mn-lt"/>
+                <a:ea typeface="+mn-ea"/>
+                <a:cs typeface="+mn-cs"/>
+              </a:defRPr>
+            </a:lvl3pPr>
+            <a:lvl4pPr marL="1371600" algn="l" defTabSz="914400" rtl="0" eaLnBrk="1" latinLnBrk="0" hangingPunct="1">
+              <a:defRPr sz="1800" kern="1200">
+                <a:solidFill>
+                  <a:schemeClr val="tx1"/>
+                </a:solidFill>
+                <a:latin typeface="+mn-lt"/>
+                <a:ea typeface="+mn-ea"/>
+                <a:cs typeface="+mn-cs"/>
+              </a:defRPr>
+            </a:lvl4pPr>
+            <a:lvl5pPr marL="1828800" algn="l" defTabSz="914400" rtl="0" eaLnBrk="1" latinLnBrk="0" hangingPunct="1">
+              <a:defRPr sz="1800" kern="1200">
+                <a:solidFill>
+                  <a:schemeClr val="tx1"/>
+                </a:solidFill>
+                <a:latin typeface="+mn-lt"/>
+                <a:ea typeface="+mn-ea"/>
+                <a:cs typeface="+mn-cs"/>
+              </a:defRPr>
+            </a:lvl5pPr>
+            <a:lvl6pPr marL="2286000" algn="l" defTabSz="914400" rtl="0" eaLnBrk="1" latinLnBrk="0" hangingPunct="1">
+              <a:defRPr sz="1800" kern="1200">
+                <a:solidFill>
+                  <a:schemeClr val="tx1"/>
+                </a:solidFill>
+                <a:latin typeface="+mn-lt"/>
+                <a:ea typeface="+mn-ea"/>
+                <a:cs typeface="+mn-cs"/>
+              </a:defRPr>
+            </a:lvl6pPr>
+            <a:lvl7pPr marL="2743200" algn="l" defTabSz="914400" rtl="0" eaLnBrk="1" latinLnBrk="0" hangingPunct="1">
+              <a:defRPr sz="1800" kern="1200">
+                <a:solidFill>
+                  <a:schemeClr val="tx1"/>
+                </a:solidFill>
+                <a:latin typeface="+mn-lt"/>
+                <a:ea typeface="+mn-ea"/>
+                <a:cs typeface="+mn-cs"/>
+              </a:defRPr>
+            </a:lvl7pPr>
+            <a:lvl8pPr marL="3200400" algn="l" defTabSz="914400" rtl="0" eaLnBrk="1" latinLnBrk="0" hangingPunct="1">
+              <a:defRPr sz="1800" kern="1200">
+                <a:solidFill>
+                  <a:schemeClr val="tx1"/>
+                </a:solidFill>
+                <a:latin typeface="+mn-lt"/>
+                <a:ea typeface="+mn-ea"/>
+                <a:cs typeface="+mn-cs"/>
+              </a:defRPr>
+            </a:lvl8pPr>
+            <a:lvl9pPr marL="3657600" algn="l" defTabSz="914400" rtl="0" eaLnBrk="1" latinLnBrk="0" hangingPunct="1">
+              <a:defRPr sz="1800" kern="1200">
+                <a:solidFill>
+                  <a:schemeClr val="tx1"/>
+                </a:solidFill>
+                <a:latin typeface="+mn-lt"/>
+                <a:ea typeface="+mn-ea"/>
+                <a:cs typeface="+mn-cs"/>
+              </a:defRPr>
+            </a:lvl9pPr>
+          </a:lstStyle>
+          <a:p>
+            <a:pPr algn="ctr"/>
+            <a:r>
+              <a:rPr lang="en-US" sz="5400" dirty="0">
+                <a:solidFill>
+                  <a:schemeClr val="tx1">
+                    <a:lumMod val="85000"/>
+                    <a:lumOff val="15000"/>
+                  </a:schemeClr>
+                </a:solidFill>
+                <a:latin typeface="+mj-lt"/>
+                <a:cs typeface="Arial" pitchFamily="34" charset="0"/>
+              </a:rPr>
+              <a:t>EDA</a:t>
+            </a:r>
+          </a:p>
+        </p:txBody>
+      </p:sp>
+    </p:spTree>
+    <p:extLst>
+      <p:ext uri="{BB962C8B-B14F-4D97-AF65-F5344CB8AC3E}">
+        <p14:creationId xmlns:p14="http://schemas.microsoft.com/office/powerpoint/2010/main" val="3935106483"/>
       </p:ext>
     </p:extLst>
   </p:cSld>
